--- a/SS2025_Generic_Template.pptx
+++ b/SS2025_Generic_Template.pptx
@@ -5,7 +5,7 @@
     <p:sldMasterId id="2147483648" r:id="rId1"/>
   </p:sldMasterIdLst>
   <p:notesMasterIdLst>
-    <p:notesMasterId r:id="rId11"/>
+    <p:notesMasterId r:id="rId13"/>
   </p:notesMasterIdLst>
   <p:sldIdLst>
     <p:sldId id="256" r:id="rId4"/>
@@ -15,6 +15,8 @@
     <p:sldId id="260" r:id="rId8"/>
     <p:sldId id="261" r:id="rId9"/>
     <p:sldId id="262" r:id="rId10"/>
+    <p:sldId id="263" r:id="rId11"/>
+    <p:sldId id="264" r:id="rId12"/>
   </p:sldIdLst>
   <p:sldSz cx="9144000" cy="5145088"/>
   <p:notesSz cx="6858000" cy="9144000"/>
@@ -140,7 +142,7 @@
       </p:grpSpPr>
       <p:sp>
         <p:nvSpPr>
-          <p:cNvPr id="1121162027" name="Kopfzeilenplatzhalter 1"/>
+          <p:cNvPr id="196489687" name="Kopfzeilenplatzhalter 1"/>
           <p:cNvSpPr>
             <a:spLocks noGrp="1"/>
           </p:cNvSpPr>
@@ -174,7 +176,7 @@
       </p:sp>
       <p:sp>
         <p:nvSpPr>
-          <p:cNvPr id="484586417" name="Datumsplatzhalter 2"/>
+          <p:cNvPr id="798877266" name="Datumsplatzhalter 2"/>
           <p:cNvSpPr>
             <a:spLocks noGrp="1"/>
           </p:cNvSpPr>
@@ -212,7 +214,7 @@
       </p:sp>
       <p:sp>
         <p:nvSpPr>
-          <p:cNvPr id="1342630779" name="Folienbildplatzhalter 3"/>
+          <p:cNvPr id="530260671" name="Folienbildplatzhalter 3"/>
           <p:cNvSpPr>
             <a:spLocks noChangeAspect="1" noGrp="1" noRot="1"/>
           </p:cNvSpPr>
@@ -248,7 +250,7 @@
       </p:sp>
       <p:sp>
         <p:nvSpPr>
-          <p:cNvPr id="871111676" name="Notizenplatzhalter 4"/>
+          <p:cNvPr id="984522108" name="Notizenplatzhalter 4"/>
           <p:cNvSpPr>
             <a:spLocks noGrp="1"/>
           </p:cNvSpPr>
@@ -322,7 +324,7 @@
       </p:sp>
       <p:sp>
         <p:nvSpPr>
-          <p:cNvPr id="2054745899" name="Fußzeilenplatzhalter 5"/>
+          <p:cNvPr id="531276089" name="Fußzeilenplatzhalter 5"/>
           <p:cNvSpPr>
             <a:spLocks noGrp="1"/>
           </p:cNvSpPr>
@@ -356,7 +358,7 @@
       </p:sp>
       <p:sp>
         <p:nvSpPr>
-          <p:cNvPr id="181707628" name="Foliennummernplatzhalter 6"/>
+          <p:cNvPr id="1597218942" name="Foliennummernplatzhalter 6"/>
           <p:cNvSpPr>
             <a:spLocks noGrp="1"/>
           </p:cNvSpPr>
@@ -559,7 +561,7 @@
             <a:pPr>
               <a:defRPr/>
             </a:pPr>
-            <a:fld id="{053FEC75-9966-CDB7-C2D9-1A47466F4D63}" type="slidenum">
+            <a:fld id="{B50F6389-5699-FE1A-FCBA-0EF3A370C9CC}" type="slidenum">
               <a:rPr/>
               <a:t/>
             </a:fld>
@@ -644,7 +646,7 @@
             <a:pPr>
               <a:defRPr/>
             </a:pPr>
-            <a:fld id="{5BCA5AD2-6720-7807-EA9E-C48CDA13E0A3}" type="slidenum">
+            <a:fld id="{984DE227-CF0D-DFA8-FE46-B27B38819F63}" type="slidenum">
               <a:rPr/>
               <a:t/>
             </a:fld>
@@ -729,7 +731,7 @@
             <a:pPr>
               <a:defRPr/>
             </a:pPr>
-            <a:fld id="{C9A7D262-4BF4-08C5-DCCE-6FE331733C69}" type="slidenum">
+            <a:fld id="{7EC66648-2FDE-898B-F3F3-9E55BDEE1683}" type="slidenum">
               <a:rPr/>
               <a:t/>
             </a:fld>
@@ -814,7 +816,7 @@
             <a:pPr>
               <a:defRPr/>
             </a:pPr>
-            <a:fld id="{B50F6389-5699-FE1A-FCBA-0EF3A370C9CC}" type="slidenum">
+            <a:fld id="{C9A7D262-4BF4-08C5-DCCE-6FE331733C69}" type="slidenum">
               <a:rPr/>
               <a:t/>
             </a:fld>
@@ -899,7 +901,7 @@
             <a:pPr>
               <a:defRPr/>
             </a:pPr>
-            <a:fld id="{DAFF06E3-7751-A2B3-B3CE-2767EF6961B2}" type="slidenum">
+            <a:fld id="{D374F204-5A80-52AA-83B9-E5E93EF3673B}" type="slidenum">
               <a:rPr/>
               <a:t/>
             </a:fld>
@@ -934,7 +936,7 @@
       </p:grpSpPr>
       <p:sp>
         <p:nvSpPr>
-          <p:cNvPr id="2" name="Slide Image Placeholder 1"/>
+          <p:cNvPr id="2073678812" name="Slide Image Placeholder 1"/>
           <p:cNvSpPr>
             <a:spLocks noChangeAspect="1" noGrp="1" noRot="1"/>
           </p:cNvSpPr>
@@ -946,7 +948,7 @@
       </p:sp>
       <p:sp>
         <p:nvSpPr>
-          <p:cNvPr id="3" name="Notes Placeholder 2"/>
+          <p:cNvPr id="484177966" name="Notes Placeholder 2"/>
           <p:cNvSpPr>
             <a:spLocks noGrp="1"/>
           </p:cNvSpPr>
@@ -968,7 +970,7 @@
       </p:sp>
       <p:sp>
         <p:nvSpPr>
-          <p:cNvPr id="4" name="Slide Number Placeholder 3"/>
+          <p:cNvPr id="500276347" name="Slide Number Placeholder 3"/>
           <p:cNvSpPr>
             <a:spLocks noGrp="1"/>
           </p:cNvSpPr>
@@ -984,7 +986,7 @@
             <a:pPr>
               <a:defRPr/>
             </a:pPr>
-            <a:fld id="{D374F204-5A80-52AA-83B9-E5E93EF3673B}" type="slidenum">
+            <a:fld id="{9D83456B-3676-C519-FED2-E4C9AE98EDA5}" type="slidenum">
               <a:rPr/>
               <a:t/>
             </a:fld>
@@ -1019,7 +1021,7 @@
       </p:grpSpPr>
       <p:sp>
         <p:nvSpPr>
-          <p:cNvPr id="2073678812" name="Slide Image Placeholder 1"/>
+          <p:cNvPr id="2" name="Slide Image Placeholder 1"/>
           <p:cNvSpPr>
             <a:spLocks noChangeAspect="1" noGrp="1" noRot="1"/>
           </p:cNvSpPr>
@@ -1031,7 +1033,7 @@
       </p:sp>
       <p:sp>
         <p:nvSpPr>
-          <p:cNvPr id="484177966" name="Notes Placeholder 2"/>
+          <p:cNvPr id="3" name="Notes Placeholder 2"/>
           <p:cNvSpPr>
             <a:spLocks noGrp="1"/>
           </p:cNvSpPr>
@@ -1053,7 +1055,7 @@
       </p:sp>
       <p:sp>
         <p:nvSpPr>
-          <p:cNvPr id="500276347" name="Slide Number Placeholder 3"/>
+          <p:cNvPr id="4" name="Slide Number Placeholder 3"/>
           <p:cNvSpPr>
             <a:spLocks noGrp="1"/>
           </p:cNvSpPr>
@@ -1069,7 +1071,177 @@
             <a:pPr>
               <a:defRPr/>
             </a:pPr>
-            <a:fld id="{9D83456B-3676-C519-FED2-E4C9AE98EDA5}" type="slidenum">
+            <a:fld id="{B3EF17E2-0C81-8BA8-8913-007293B8B1A5}" type="slidenum">
+              <a:rPr/>
+              <a:t/>
+            </a:fld>
+            <a:endParaRPr/>
+          </a:p>
+        </p:txBody>
+      </p:sp>
+    </p:spTree>
+  </p:cSld>
+  <p:clrMapOvr>
+    <a:masterClrMapping/>
+  </p:clrMapOvr>
+</p:notes>
+</file>
+
+<file path=ppt/notesSlides/notesSlide8.xml><?xml version="1.0" encoding="utf-8"?>
+<p:notes xmlns:a="http://schemas.openxmlformats.org/drawingml/2006/main" xmlns:r="http://schemas.openxmlformats.org/officeDocument/2006/relationships" xmlns:p="http://schemas.openxmlformats.org/presentationml/2006/main" xmlns:m="http://schemas.openxmlformats.org/officeDocument/2006/math" xmlns:w="http://schemas.openxmlformats.org/wordprocessingml/2006/main">
+  <p:cSld name="">
+    <p:spTree>
+      <p:nvGrpSpPr>
+        <p:cNvPr id="1" name=""/>
+        <p:cNvGrpSpPr/>
+        <p:nvPr/>
+      </p:nvGrpSpPr>
+      <p:grpSpPr bwMode="auto">
+        <a:xfrm>
+          <a:off x="0" y="0"/>
+          <a:ext cx="0" cy="0"/>
+          <a:chOff x="0" y="0"/>
+          <a:chExt cx="0" cy="0"/>
+        </a:xfrm>
+      </p:grpSpPr>
+      <p:sp>
+        <p:nvSpPr>
+          <p:cNvPr id="2" name="Slide Image Placeholder 1"/>
+          <p:cNvSpPr>
+            <a:spLocks noChangeAspect="1" noGrp="1" noRot="1"/>
+          </p:cNvSpPr>
+          <p:nvPr>
+            <p:ph type="sldImg"/>
+          </p:nvPr>
+        </p:nvSpPr>
+        <p:spPr bwMode="auto"/>
+      </p:sp>
+      <p:sp>
+        <p:nvSpPr>
+          <p:cNvPr id="3" name="Notes Placeholder 2"/>
+          <p:cNvSpPr>
+            <a:spLocks noGrp="1"/>
+          </p:cNvSpPr>
+          <p:nvPr>
+            <p:ph type="body" idx="1"/>
+          </p:nvPr>
+        </p:nvSpPr>
+        <p:spPr bwMode="auto"/>
+        <p:txBody>
+          <a:bodyPr/>
+          <a:lstStyle/>
+          <a:p>
+            <a:pPr>
+              <a:defRPr/>
+            </a:pPr>
+            <a:endParaRPr/>
+          </a:p>
+        </p:txBody>
+      </p:sp>
+      <p:sp>
+        <p:nvSpPr>
+          <p:cNvPr id="4" name="Slide Number Placeholder 3"/>
+          <p:cNvSpPr>
+            <a:spLocks noGrp="1"/>
+          </p:cNvSpPr>
+          <p:nvPr>
+            <p:ph type="sldNum" sz="quarter" idx="10"/>
+          </p:nvPr>
+        </p:nvSpPr>
+        <p:spPr bwMode="auto"/>
+        <p:txBody>
+          <a:bodyPr/>
+          <a:lstStyle/>
+          <a:p>
+            <a:pPr>
+              <a:defRPr/>
+            </a:pPr>
+            <a:fld id="{45B86F70-6C73-7005-5FA8-64E01AD61F5E}" type="slidenum">
+              <a:rPr/>
+              <a:t/>
+            </a:fld>
+            <a:endParaRPr/>
+          </a:p>
+        </p:txBody>
+      </p:sp>
+    </p:spTree>
+  </p:cSld>
+  <p:clrMapOvr>
+    <a:masterClrMapping/>
+  </p:clrMapOvr>
+</p:notes>
+</file>
+
+<file path=ppt/notesSlides/notesSlide9.xml><?xml version="1.0" encoding="utf-8"?>
+<p:notes xmlns:a="http://schemas.openxmlformats.org/drawingml/2006/main" xmlns:r="http://schemas.openxmlformats.org/officeDocument/2006/relationships" xmlns:p="http://schemas.openxmlformats.org/presentationml/2006/main" xmlns:m="http://schemas.openxmlformats.org/officeDocument/2006/math" xmlns:w="http://schemas.openxmlformats.org/wordprocessingml/2006/main">
+  <p:cSld name="">
+    <p:spTree>
+      <p:nvGrpSpPr>
+        <p:cNvPr id="1" name=""/>
+        <p:cNvGrpSpPr/>
+        <p:nvPr/>
+      </p:nvGrpSpPr>
+      <p:grpSpPr bwMode="auto">
+        <a:xfrm>
+          <a:off x="0" y="0"/>
+          <a:ext cx="0" cy="0"/>
+          <a:chOff x="0" y="0"/>
+          <a:chExt cx="0" cy="0"/>
+        </a:xfrm>
+      </p:grpSpPr>
+      <p:sp>
+        <p:nvSpPr>
+          <p:cNvPr id="2" name="Slide Image Placeholder 1"/>
+          <p:cNvSpPr>
+            <a:spLocks noChangeAspect="1" noGrp="1" noRot="1"/>
+          </p:cNvSpPr>
+          <p:nvPr>
+            <p:ph type="sldImg"/>
+          </p:nvPr>
+        </p:nvSpPr>
+        <p:spPr bwMode="auto"/>
+      </p:sp>
+      <p:sp>
+        <p:nvSpPr>
+          <p:cNvPr id="3" name="Notes Placeholder 2"/>
+          <p:cNvSpPr>
+            <a:spLocks noGrp="1"/>
+          </p:cNvSpPr>
+          <p:nvPr>
+            <p:ph type="body" idx="1"/>
+          </p:nvPr>
+        </p:nvSpPr>
+        <p:spPr bwMode="auto"/>
+        <p:txBody>
+          <a:bodyPr/>
+          <a:lstStyle/>
+          <a:p>
+            <a:pPr>
+              <a:defRPr/>
+            </a:pPr>
+            <a:endParaRPr/>
+          </a:p>
+        </p:txBody>
+      </p:sp>
+      <p:sp>
+        <p:nvSpPr>
+          <p:cNvPr id="4" name="Slide Number Placeholder 3"/>
+          <p:cNvSpPr>
+            <a:spLocks noGrp="1"/>
+          </p:cNvSpPr>
+          <p:nvPr>
+            <p:ph type="sldNum" sz="quarter" idx="10"/>
+          </p:nvPr>
+        </p:nvSpPr>
+        <p:spPr bwMode="auto"/>
+        <p:txBody>
+          <a:bodyPr/>
+          <a:lstStyle/>
+          <a:p>
+            <a:pPr>
+              <a:defRPr/>
+            </a:pPr>
+            <a:fld id="{2731C3ED-F27B-2A60-7FB1-CB1DBA9B0E95}" type="slidenum">
               <a:rPr/>
               <a:t/>
             </a:fld>
@@ -1104,7 +1276,7 @@
       </p:grpSpPr>
       <p:pic>
         <p:nvPicPr>
-          <p:cNvPr id="885476515" name="Picture 2" descr="A cartoon of a person walking with legs&#10;&#10;Description automatically generated"/>
+          <p:cNvPr id="408508706" name="Picture 2" descr="A cartoon of a person walking with legs&#10;&#10;Description automatically generated"/>
           <p:cNvPicPr>
             <a:picLocks noChangeAspect="1"/>
           </p:cNvPicPr>
@@ -1126,7 +1298,7 @@
       </p:pic>
       <p:sp>
         <p:nvSpPr>
-          <p:cNvPr id="1743676504" name="Bildplatzhalter 4"/>
+          <p:cNvPr id="830434828" name="Bildplatzhalter 4"/>
           <p:cNvSpPr>
             <a:spLocks noGrp="1"/>
           </p:cNvSpPr>
@@ -1177,7 +1349,7 @@
       </p:sp>
       <p:sp>
         <p:nvSpPr>
-          <p:cNvPr id="1049896659" name="Textplatzhalter 18"/>
+          <p:cNvPr id="849357368" name="Textplatzhalter 18"/>
           <p:cNvSpPr>
             <a:spLocks noGrp="1"/>
           </p:cNvSpPr>
@@ -1248,7 +1420,7 @@
       </p:sp>
       <p:sp>
         <p:nvSpPr>
-          <p:cNvPr id="554991136" name="Textplatzhalter 25"/>
+          <p:cNvPr id="69122714" name="Textplatzhalter 25"/>
           <p:cNvSpPr>
             <a:spLocks noGrp="1"/>
           </p:cNvSpPr>
@@ -1342,7 +1514,7 @@
       </p:sp>
       <p:sp>
         <p:nvSpPr>
-          <p:cNvPr id="599870029" name="Text Box 14"/>
+          <p:cNvPr id="198983113" name="Text Box 14"/>
           <p:cNvSpPr txBox="1">
             <a:spLocks noChangeArrowheads="1"/>
           </p:cNvSpPr>
@@ -1384,7 +1556,7 @@
       </p:sp>
       <p:sp>
         <p:nvSpPr>
-          <p:cNvPr id="1004236491" name="Text Box 14"/>
+          <p:cNvPr id="28586081" name="Text Box 14"/>
           <p:cNvSpPr txBox="1">
             <a:spLocks noChangeArrowheads="1"/>
           </p:cNvSpPr>
@@ -1523,7 +1695,7 @@
       </p:sp>
       <p:pic>
         <p:nvPicPr>
-          <p:cNvPr id="623148499" name="Grafik 11"/>
+          <p:cNvPr id="1238468916" name="Grafik 11"/>
           <p:cNvPicPr>
             <a:picLocks noChangeAspect="1"/>
           </p:cNvPicPr>
@@ -1570,7 +1742,7 @@
       </p:grpSpPr>
       <p:sp>
         <p:nvSpPr>
-          <p:cNvPr id="453986804" name="Date Placeholder 1"/>
+          <p:cNvPr id="248099416" name="Date Placeholder 1"/>
           <p:cNvSpPr>
             <a:spLocks noGrp="1"/>
           </p:cNvSpPr>
@@ -1604,7 +1776,7 @@
       </p:sp>
       <p:sp>
         <p:nvSpPr>
-          <p:cNvPr id="171159517" name="Slide Number Placeholder 3"/>
+          <p:cNvPr id="552647028" name="Slide Number Placeholder 3"/>
           <p:cNvSpPr>
             <a:spLocks noGrp="1"/>
           </p:cNvSpPr>
@@ -1663,7 +1835,7 @@
       </p:grpSpPr>
       <p:sp>
         <p:nvSpPr>
-          <p:cNvPr id="97715220" name="Content Placeholder 2"/>
+          <p:cNvPr id="1359105561" name="Content Placeholder 2"/>
           <p:cNvSpPr>
             <a:spLocks noGrp="1"/>
           </p:cNvSpPr>
@@ -1763,7 +1935,7 @@
       </p:sp>
       <p:sp>
         <p:nvSpPr>
-          <p:cNvPr id="384323006" name="Text Placeholder 3"/>
+          <p:cNvPr id="646787363" name="Text Placeholder 3"/>
           <p:cNvSpPr>
             <a:spLocks noGrp="1"/>
           </p:cNvSpPr>
@@ -1831,7 +2003,7 @@
       </p:sp>
       <p:sp>
         <p:nvSpPr>
-          <p:cNvPr id="1516481644" name="Date Placeholder 4"/>
+          <p:cNvPr id="1210249145" name="Date Placeholder 4"/>
           <p:cNvSpPr>
             <a:spLocks noGrp="1"/>
           </p:cNvSpPr>
@@ -1865,7 +2037,7 @@
       </p:sp>
       <p:sp>
         <p:nvSpPr>
-          <p:cNvPr id="1019070249" name="Slide Number Placeholder 6"/>
+          <p:cNvPr id="1731162957" name="Slide Number Placeholder 6"/>
           <p:cNvSpPr>
             <a:spLocks noGrp="1"/>
           </p:cNvSpPr>
@@ -1899,7 +2071,7 @@
       </p:sp>
       <p:sp>
         <p:nvSpPr>
-          <p:cNvPr id="1406767674" name="Title Placeholder 1"/>
+          <p:cNvPr id="1208171399" name="Title Placeholder 1"/>
           <p:cNvSpPr>
             <a:spLocks noGrp="1"/>
           </p:cNvSpPr>
@@ -1964,7 +2136,7 @@
       </p:grpSpPr>
       <p:sp>
         <p:nvSpPr>
-          <p:cNvPr id="1217236870" name="Picture Placeholder 2"/>
+          <p:cNvPr id="909407974" name="Picture Placeholder 2"/>
           <p:cNvSpPr>
             <a:spLocks noChangeAspect="1" noGrp="1"/>
           </p:cNvSpPr>
@@ -2032,7 +2204,7 @@
       </p:sp>
       <p:sp>
         <p:nvSpPr>
-          <p:cNvPr id="592220773" name="Date Placeholder 4"/>
+          <p:cNvPr id="1278234540" name="Date Placeholder 4"/>
           <p:cNvSpPr>
             <a:spLocks noGrp="1"/>
           </p:cNvSpPr>
@@ -2066,7 +2238,7 @@
       </p:sp>
       <p:sp>
         <p:nvSpPr>
-          <p:cNvPr id="1002442831" name="Slide Number Placeholder 6"/>
+          <p:cNvPr id="855878640" name="Slide Number Placeholder 6"/>
           <p:cNvSpPr>
             <a:spLocks noGrp="1"/>
           </p:cNvSpPr>
@@ -2100,7 +2272,7 @@
       </p:sp>
       <p:sp>
         <p:nvSpPr>
-          <p:cNvPr id="48572370" name="Title 1"/>
+          <p:cNvPr id="175473756" name="Title 1"/>
           <p:cNvSpPr>
             <a:spLocks noGrp="1"/>
           </p:cNvSpPr>
@@ -2140,7 +2312,7 @@
       </p:sp>
       <p:sp>
         <p:nvSpPr>
-          <p:cNvPr id="964273599" name="Text Placeholder 3"/>
+          <p:cNvPr id="2056020369" name="Text Placeholder 3"/>
           <p:cNvSpPr>
             <a:spLocks noGrp="1"/>
           </p:cNvSpPr>
@@ -2243,7 +2415,7 @@
       </p:grpSpPr>
       <p:sp>
         <p:nvSpPr>
-          <p:cNvPr id="1777063298" name="Vertical Text Placeholder 2"/>
+          <p:cNvPr id="1804718352" name="Vertical Text Placeholder 2"/>
           <p:cNvSpPr>
             <a:spLocks noGrp="1"/>
           </p:cNvSpPr>
@@ -2330,7 +2502,7 @@
       </p:sp>
       <p:sp>
         <p:nvSpPr>
-          <p:cNvPr id="774961766" name="Date Placeholder 3"/>
+          <p:cNvPr id="1357130019" name="Date Placeholder 3"/>
           <p:cNvSpPr>
             <a:spLocks noGrp="1"/>
           </p:cNvSpPr>
@@ -2364,7 +2536,7 @@
       </p:sp>
       <p:sp>
         <p:nvSpPr>
-          <p:cNvPr id="2063055693" name="Slide Number Placeholder 5"/>
+          <p:cNvPr id="2116960466" name="Slide Number Placeholder 5"/>
           <p:cNvSpPr>
             <a:spLocks noGrp="1"/>
           </p:cNvSpPr>
@@ -2398,7 +2570,7 @@
       </p:sp>
       <p:sp>
         <p:nvSpPr>
-          <p:cNvPr id="1452788111" name="Title Placeholder 1"/>
+          <p:cNvPr id="134328364" name="Title Placeholder 1"/>
           <p:cNvSpPr>
             <a:spLocks noGrp="1"/>
           </p:cNvSpPr>
@@ -2463,7 +2635,7 @@
       </p:grpSpPr>
       <p:sp>
         <p:nvSpPr>
-          <p:cNvPr id="1321780269" name="Vertical Title 1"/>
+          <p:cNvPr id="789697584" name="Vertical Title 1"/>
           <p:cNvSpPr>
             <a:spLocks noGrp="1"/>
           </p:cNvSpPr>
@@ -2501,7 +2673,7 @@
       </p:sp>
       <p:sp>
         <p:nvSpPr>
-          <p:cNvPr id="740721506" name="Vertical Text Placeholder 2"/>
+          <p:cNvPr id="2059794972" name="Vertical Text Placeholder 2"/>
           <p:cNvSpPr>
             <a:spLocks noGrp="1"/>
           </p:cNvSpPr>
@@ -2588,7 +2760,7 @@
       </p:sp>
       <p:sp>
         <p:nvSpPr>
-          <p:cNvPr id="1791601608" name="Date Placeholder 3"/>
+          <p:cNvPr id="837513405" name="Date Placeholder 3"/>
           <p:cNvSpPr>
             <a:spLocks noGrp="1"/>
           </p:cNvSpPr>
@@ -2622,7 +2794,7 @@
       </p:sp>
       <p:sp>
         <p:nvSpPr>
-          <p:cNvPr id="918754076" name="Slide Number Placeholder 5"/>
+          <p:cNvPr id="1315696129" name="Slide Number Placeholder 5"/>
           <p:cNvSpPr>
             <a:spLocks noGrp="1"/>
           </p:cNvSpPr>
@@ -2681,7 +2853,7 @@
       </p:grpSpPr>
       <p:sp>
         <p:nvSpPr>
-          <p:cNvPr id="674105852" name="Content Placeholder 2"/>
+          <p:cNvPr id="1616141087" name="Content Placeholder 2"/>
           <p:cNvSpPr>
             <a:spLocks noGrp="1"/>
           </p:cNvSpPr>
@@ -2768,7 +2940,7 @@
       </p:sp>
       <p:sp>
         <p:nvSpPr>
-          <p:cNvPr id="1426557809" name="Date Placeholder 3"/>
+          <p:cNvPr id="474823759" name="Date Placeholder 3"/>
           <p:cNvSpPr>
             <a:spLocks noGrp="1"/>
           </p:cNvSpPr>
@@ -2802,7 +2974,7 @@
       </p:sp>
       <p:sp>
         <p:nvSpPr>
-          <p:cNvPr id="1893652854" name="Slide Number Placeholder 5"/>
+          <p:cNvPr id="714164053" name="Slide Number Placeholder 5"/>
           <p:cNvSpPr>
             <a:spLocks noGrp="1"/>
           </p:cNvSpPr>
@@ -2840,7 +3012,7 @@
       </p:sp>
       <p:sp>
         <p:nvSpPr>
-          <p:cNvPr id="1909707146" name="Title Placeholder 1"/>
+          <p:cNvPr id="1004124962" name="Title Placeholder 1"/>
           <p:cNvSpPr>
             <a:spLocks noGrp="1"/>
           </p:cNvSpPr>
@@ -2905,7 +3077,7 @@
       </p:grpSpPr>
       <p:sp>
         <p:nvSpPr>
-          <p:cNvPr id="1969770835" name="Content Placeholder 2"/>
+          <p:cNvPr id="1265550928" name="Content Placeholder 2"/>
           <p:cNvSpPr>
             <a:spLocks noGrp="1"/>
           </p:cNvSpPr>
@@ -2992,7 +3164,7 @@
       </p:sp>
       <p:sp>
         <p:nvSpPr>
-          <p:cNvPr id="1001244817" name="Content Placeholder 3"/>
+          <p:cNvPr id="1580975262" name="Content Placeholder 3"/>
           <p:cNvSpPr>
             <a:spLocks noGrp="1"/>
           </p:cNvSpPr>
@@ -3079,7 +3251,7 @@
       </p:sp>
       <p:sp>
         <p:nvSpPr>
-          <p:cNvPr id="119101474" name="Date Placeholder 4"/>
+          <p:cNvPr id="961194390" name="Date Placeholder 4"/>
           <p:cNvSpPr>
             <a:spLocks noGrp="1"/>
           </p:cNvSpPr>
@@ -3113,7 +3285,7 @@
       </p:sp>
       <p:sp>
         <p:nvSpPr>
-          <p:cNvPr id="1144706386" name="Slide Number Placeholder 6"/>
+          <p:cNvPr id="1782882400" name="Slide Number Placeholder 6"/>
           <p:cNvSpPr>
             <a:spLocks noGrp="1"/>
           </p:cNvSpPr>
@@ -3147,7 +3319,7 @@
       </p:sp>
       <p:sp>
         <p:nvSpPr>
-          <p:cNvPr id="276045737" name="Title Placeholder 1"/>
+          <p:cNvPr id="646947145" name="Title Placeholder 1"/>
           <p:cNvSpPr>
             <a:spLocks noGrp="1"/>
           </p:cNvSpPr>
@@ -3212,7 +3384,7 @@
       </p:grpSpPr>
       <p:sp>
         <p:nvSpPr>
-          <p:cNvPr id="1008354153" name="Bildplatzhalter 4"/>
+          <p:cNvPr id="461987190" name="Bildplatzhalter 4"/>
           <p:cNvSpPr>
             <a:spLocks noGrp="1"/>
           </p:cNvSpPr>
@@ -3263,7 +3435,7 @@
       </p:sp>
       <p:sp>
         <p:nvSpPr>
-          <p:cNvPr id="1062972757" name="Content Placeholder 2"/>
+          <p:cNvPr id="1114427908" name="Content Placeholder 2"/>
           <p:cNvSpPr>
             <a:spLocks noGrp="1"/>
           </p:cNvSpPr>
@@ -3350,7 +3522,7 @@
       </p:sp>
       <p:sp>
         <p:nvSpPr>
-          <p:cNvPr id="1604516584" name="Date Placeholder 4"/>
+          <p:cNvPr id="1766143716" name="Date Placeholder 4"/>
           <p:cNvSpPr>
             <a:spLocks noGrp="1"/>
           </p:cNvSpPr>
@@ -3384,7 +3556,7 @@
       </p:sp>
       <p:sp>
         <p:nvSpPr>
-          <p:cNvPr id="1212545961" name="Slide Number Placeholder 6"/>
+          <p:cNvPr id="1342246327" name="Slide Number Placeholder 6"/>
           <p:cNvSpPr>
             <a:spLocks noGrp="1"/>
           </p:cNvSpPr>
@@ -3418,7 +3590,7 @@
       </p:sp>
       <p:sp>
         <p:nvSpPr>
-          <p:cNvPr id="219718916" name="Title Placeholder 1"/>
+          <p:cNvPr id="1008280815" name="Title Placeholder 1"/>
           <p:cNvSpPr>
             <a:spLocks noGrp="1"/>
           </p:cNvSpPr>
@@ -3483,7 +3655,7 @@
       </p:grpSpPr>
       <p:sp>
         <p:nvSpPr>
-          <p:cNvPr id="829570086" name="Text Placeholder 2"/>
+          <p:cNvPr id="1632517710" name="Text Placeholder 2"/>
           <p:cNvSpPr>
             <a:spLocks noGrp="1"/>
           </p:cNvSpPr>
@@ -3553,7 +3725,7 @@
       </p:sp>
       <p:sp>
         <p:nvSpPr>
-          <p:cNvPr id="1240054433" name="Content Placeholder 3"/>
+          <p:cNvPr id="257481092" name="Content Placeholder 3"/>
           <p:cNvSpPr>
             <a:spLocks noGrp="1"/>
           </p:cNvSpPr>
@@ -3640,7 +3812,7 @@
       </p:sp>
       <p:sp>
         <p:nvSpPr>
-          <p:cNvPr id="1641368414" name="Text Placeholder 4"/>
+          <p:cNvPr id="924848620" name="Text Placeholder 4"/>
           <p:cNvSpPr>
             <a:spLocks noGrp="1"/>
           </p:cNvSpPr>
@@ -3710,7 +3882,7 @@
       </p:sp>
       <p:sp>
         <p:nvSpPr>
-          <p:cNvPr id="2050038799" name="Content Placeholder 5"/>
+          <p:cNvPr id="334786359" name="Content Placeholder 5"/>
           <p:cNvSpPr>
             <a:spLocks noGrp="1"/>
           </p:cNvSpPr>
@@ -3797,7 +3969,7 @@
       </p:sp>
       <p:sp>
         <p:nvSpPr>
-          <p:cNvPr id="1055413965" name="Date Placeholder 6"/>
+          <p:cNvPr id="951692175" name="Date Placeholder 6"/>
           <p:cNvSpPr>
             <a:spLocks noGrp="1"/>
           </p:cNvSpPr>
@@ -3831,7 +4003,7 @@
       </p:sp>
       <p:sp>
         <p:nvSpPr>
-          <p:cNvPr id="777024074" name="Slide Number Placeholder 8"/>
+          <p:cNvPr id="711377391" name="Slide Number Placeholder 8"/>
           <p:cNvSpPr>
             <a:spLocks noGrp="1"/>
           </p:cNvSpPr>
@@ -3865,7 +4037,7 @@
       </p:sp>
       <p:sp>
         <p:nvSpPr>
-          <p:cNvPr id="866766571" name="Title Placeholder 1"/>
+          <p:cNvPr id="745717209" name="Title Placeholder 1"/>
           <p:cNvSpPr>
             <a:spLocks noGrp="1"/>
           </p:cNvSpPr>
@@ -3930,7 +4102,7 @@
       </p:grpSpPr>
       <p:sp>
         <p:nvSpPr>
-          <p:cNvPr id="14985611" name="Bildplatzhalter 4"/>
+          <p:cNvPr id="1957864900" name="Bildplatzhalter 4"/>
           <p:cNvSpPr>
             <a:spLocks noGrp="1"/>
           </p:cNvSpPr>
@@ -3981,7 +4153,7 @@
       </p:sp>
       <p:sp>
         <p:nvSpPr>
-          <p:cNvPr id="1782289696" name="Text Placeholder 2"/>
+          <p:cNvPr id="737068046" name="Text Placeholder 2"/>
           <p:cNvSpPr>
             <a:spLocks noGrp="1"/>
           </p:cNvSpPr>
@@ -4051,7 +4223,7 @@
       </p:sp>
       <p:sp>
         <p:nvSpPr>
-          <p:cNvPr id="1132290651" name="Content Placeholder 3"/>
+          <p:cNvPr id="706726802" name="Content Placeholder 3"/>
           <p:cNvSpPr>
             <a:spLocks noGrp="1"/>
           </p:cNvSpPr>
@@ -4138,7 +4310,7 @@
       </p:sp>
       <p:sp>
         <p:nvSpPr>
-          <p:cNvPr id="1641477611" name="Text Placeholder 4"/>
+          <p:cNvPr id="677840711" name="Text Placeholder 4"/>
           <p:cNvSpPr>
             <a:spLocks noGrp="1"/>
           </p:cNvSpPr>
@@ -4208,7 +4380,7 @@
       </p:sp>
       <p:sp>
         <p:nvSpPr>
-          <p:cNvPr id="656595375" name="Date Placeholder 6"/>
+          <p:cNvPr id="1476308174" name="Date Placeholder 6"/>
           <p:cNvSpPr>
             <a:spLocks noGrp="1"/>
           </p:cNvSpPr>
@@ -4242,7 +4414,7 @@
       </p:sp>
       <p:sp>
         <p:nvSpPr>
-          <p:cNvPr id="216759143" name="Slide Number Placeholder 8"/>
+          <p:cNvPr id="563923788" name="Slide Number Placeholder 8"/>
           <p:cNvSpPr>
             <a:spLocks noGrp="1"/>
           </p:cNvSpPr>
@@ -4276,7 +4448,7 @@
       </p:sp>
       <p:sp>
         <p:nvSpPr>
-          <p:cNvPr id="1650226555" name="Title Placeholder 1"/>
+          <p:cNvPr id="1211703997" name="Title Placeholder 1"/>
           <p:cNvSpPr>
             <a:spLocks noGrp="1"/>
           </p:cNvSpPr>
@@ -4341,7 +4513,7 @@
       </p:grpSpPr>
       <p:sp>
         <p:nvSpPr>
-          <p:cNvPr id="670358585" name="Date Placeholder 2"/>
+          <p:cNvPr id="606287523" name="Date Placeholder 2"/>
           <p:cNvSpPr>
             <a:spLocks noGrp="1"/>
           </p:cNvSpPr>
@@ -4375,7 +4547,7 @@
       </p:sp>
       <p:sp>
         <p:nvSpPr>
-          <p:cNvPr id="754981223" name="Slide Number Placeholder 4"/>
+          <p:cNvPr id="1198755696" name="Slide Number Placeholder 4"/>
           <p:cNvSpPr>
             <a:spLocks noGrp="1"/>
           </p:cNvSpPr>
@@ -4409,7 +4581,7 @@
       </p:sp>
       <p:sp>
         <p:nvSpPr>
-          <p:cNvPr id="1055570659" name="Title Placeholder 1"/>
+          <p:cNvPr id="1451818984" name="Title Placeholder 1"/>
           <p:cNvSpPr>
             <a:spLocks noGrp="1"/>
           </p:cNvSpPr>
@@ -4449,7 +4621,7 @@
       </p:sp>
       <p:sp>
         <p:nvSpPr>
-          <p:cNvPr id="1526424125" name="Bildplatzhalter 3"/>
+          <p:cNvPr id="621488281" name="Bildplatzhalter 3"/>
           <p:cNvSpPr>
             <a:spLocks noGrp="1"/>
           </p:cNvSpPr>
@@ -4523,7 +4695,7 @@
       </p:grpSpPr>
       <p:sp>
         <p:nvSpPr>
-          <p:cNvPr id="2061760291" name="Date Placeholder 2"/>
+          <p:cNvPr id="983395773" name="Date Placeholder 2"/>
           <p:cNvSpPr>
             <a:spLocks noGrp="1"/>
           </p:cNvSpPr>
@@ -4557,7 +4729,7 @@
       </p:sp>
       <p:sp>
         <p:nvSpPr>
-          <p:cNvPr id="1215135428" name="Slide Number Placeholder 4"/>
+          <p:cNvPr id="1358222201" name="Slide Number Placeholder 4"/>
           <p:cNvSpPr>
             <a:spLocks noGrp="1"/>
           </p:cNvSpPr>
@@ -4591,7 +4763,7 @@
       </p:sp>
       <p:sp>
         <p:nvSpPr>
-          <p:cNvPr id="1173124795" name="Title Placeholder 1"/>
+          <p:cNvPr id="1770731283" name="Title Placeholder 1"/>
           <p:cNvSpPr>
             <a:spLocks noGrp="1"/>
           </p:cNvSpPr>
@@ -4631,7 +4803,7 @@
       </p:sp>
       <p:sp>
         <p:nvSpPr>
-          <p:cNvPr id="1991163148" name="Rechteck 1"/>
+          <p:cNvPr id="104806824" name="Rechteck 1"/>
           <p:cNvSpPr/>
           <p:nvPr userDrawn="1"/>
         </p:nvSpPr>
@@ -4679,7 +4851,7 @@
       </p:sp>
       <p:sp>
         <p:nvSpPr>
-          <p:cNvPr id="85964844" name="Bildplatzhalter 3"/>
+          <p:cNvPr id="831633903" name="Bildplatzhalter 3"/>
           <p:cNvSpPr>
             <a:spLocks noGrp="1"/>
           </p:cNvSpPr>
@@ -4753,7 +4925,7 @@
       </p:grpSpPr>
       <p:sp>
         <p:nvSpPr>
-          <p:cNvPr id="513164037" name="Date Placeholder 2"/>
+          <p:cNvPr id="1575742354" name="Date Placeholder 2"/>
           <p:cNvSpPr>
             <a:spLocks noGrp="1"/>
           </p:cNvSpPr>
@@ -4787,7 +4959,7 @@
       </p:sp>
       <p:sp>
         <p:nvSpPr>
-          <p:cNvPr id="1731979116" name="Slide Number Placeholder 4"/>
+          <p:cNvPr id="1997726441" name="Slide Number Placeholder 4"/>
           <p:cNvSpPr>
             <a:spLocks noGrp="1"/>
           </p:cNvSpPr>
@@ -4821,7 +4993,7 @@
       </p:sp>
       <p:sp>
         <p:nvSpPr>
-          <p:cNvPr id="756865621" name="Title Placeholder 1"/>
+          <p:cNvPr id="713681835" name="Title Placeholder 1"/>
           <p:cNvSpPr>
             <a:spLocks noGrp="1"/>
           </p:cNvSpPr>
@@ -4891,7 +5063,7 @@
       </p:grpSpPr>
       <p:sp>
         <p:nvSpPr>
-          <p:cNvPr id="528320698" name="Title Placeholder 1"/>
+          <p:cNvPr id="2080088472" name="Title Placeholder 1"/>
           <p:cNvSpPr>
             <a:spLocks noGrp="1"/>
           </p:cNvSpPr>
@@ -4927,7 +5099,7 @@
       </p:sp>
       <p:sp>
         <p:nvSpPr>
-          <p:cNvPr id="1361882960" name="Text Placeholder 2"/>
+          <p:cNvPr id="1187767680" name="Text Placeholder 2"/>
           <p:cNvSpPr>
             <a:spLocks noGrp="1"/>
           </p:cNvSpPr>
@@ -5001,7 +5173,7 @@
       </p:sp>
       <p:cxnSp>
         <p:nvCxnSpPr>
-          <p:cNvPr id="143500170" name="Gerade Verbindung 11"/>
+          <p:cNvPr id="772429025" name="Gerade Verbindung 11"/>
           <p:cNvCxnSpPr/>
           <p:nvPr userDrawn="1"/>
         </p:nvCxnSpPr>
@@ -5036,7 +5208,7 @@
       </p:cxnSp>
       <p:pic>
         <p:nvPicPr>
-          <p:cNvPr id="929688507" name="Grafik 13"/>
+          <p:cNvPr id="1565953310" name="Grafik 13"/>
           <p:cNvPicPr>
             <a:picLocks noChangeAspect="1"/>
           </p:cNvPicPr>
@@ -5058,7 +5230,7 @@
       </p:pic>
       <p:sp>
         <p:nvSpPr>
-          <p:cNvPr id="1212105180" name="Date Placeholder 3"/>
+          <p:cNvPr id="16750429" name="Date Placeholder 3"/>
           <p:cNvSpPr>
             <a:spLocks noGrp="1"/>
           </p:cNvSpPr>
@@ -5100,7 +5272,7 @@
       </p:sp>
       <p:sp>
         <p:nvSpPr>
-          <p:cNvPr id="1181354148" name="Slide Number Placeholder 5"/>
+          <p:cNvPr id="690191473" name="Slide Number Placeholder 5"/>
           <p:cNvSpPr>
             <a:spLocks noGrp="1"/>
           </p:cNvSpPr>
@@ -5142,7 +5314,7 @@
       </p:sp>
       <p:sp>
         <p:nvSpPr>
-          <p:cNvPr id="1800567790" name="Footer Placeholder 4"/>
+          <p:cNvPr id="356112457" name="Footer Placeholder 4"/>
           <p:cNvSpPr txBox="1"/>
           <p:nvPr userDrawn="1"/>
         </p:nvSpPr>
@@ -5266,7 +5438,7 @@
       </p:sp>
       <p:sp>
         <p:nvSpPr>
-          <p:cNvPr id="110920319" name="Fußzeilenplatzhalter 4"/>
+          <p:cNvPr id="1545834273" name="Fußzeilenplatzhalter 4"/>
           <p:cNvSpPr txBox="1"/>
           <p:nvPr userDrawn="1"/>
         </p:nvSpPr>
@@ -5736,146 +5908,131 @@
       </p:grpSpPr>
       <p:sp>
         <p:nvSpPr>
-          <p:cNvPr id="782135642" name="Textplatzhalter 6"/>
-          <p:cNvSpPr>
-            <a:spLocks noGrp="1"/>
-          </p:cNvSpPr>
-          <p:nvPr>
-            <p:ph type="body" sz="quarter" idx="11"/>
-          </p:nvPr>
-        </p:nvSpPr>
-        <p:spPr bwMode="auto">
-          <a:xfrm flipH="0" flipV="0">
-            <a:off x="365442" y="1333499"/>
-            <a:ext cx="8524557" cy="666749"/>
-          </a:xfrm>
-        </p:spPr>
-        <p:txBody>
-          <a:bodyPr vertOverflow="overflow" horzOverflow="overflow" vert="horz" wrap="square" lIns="0" tIns="0" rIns="0" bIns="0" numCol="1" spcCol="0" rtlCol="0" fromWordArt="0" anchor="t" anchorCtr="0" forceAA="0" upright="0" compatLnSpc="0">
-            <a:normAutofit fontScale="90000" lnSpcReduction="2000"/>
-          </a:bodyPr>
+          <p:cNvPr id="1993322675" name="Date Placeholder 3"/>
+          <p:cNvSpPr>
+            <a:spLocks noGrp="1"/>
+          </p:cNvSpPr>
+          <p:nvPr>
+            <p:ph type="dt" sz="half" idx="10"/>
+          </p:nvPr>
+        </p:nvSpPr>
+        <p:spPr bwMode="auto">
+          <a:xfrm>
+            <a:off x="627233" y="4748823"/>
+            <a:ext cx="1027754" cy="396263"/>
+          </a:xfrm>
+          <a:prstGeom prst="rect">
+            <a:avLst/>
+          </a:prstGeom>
+        </p:spPr>
+        <p:txBody>
+          <a:bodyPr/>
           <a:lstStyle/>
           <a:p>
             <a:pPr>
               <a:defRPr/>
             </a:pPr>
-            <a:r>
-              <a:rPr lang="de-DE" sz="2600" b="1" i="0" u="none" strike="noStrike" cap="none" spc="0">
-                <a:solidFill>
-                  <a:schemeClr val="tx1"/>
-                </a:solidFill>
-                <a:latin typeface="Arial"/>
-                <a:ea typeface="Arial"/>
-                <a:cs typeface="Arial"/>
-              </a:rPr>
-              <a:t>Let‘s GO2 for a Walk:</a:t>
-            </a:r>
-            <a:endParaRPr lang="de-DE" sz="3600" b="1" i="0" u="none" strike="noStrike" cap="none" spc="0">
-              <a:solidFill>
-                <a:schemeClr val="tx1"/>
-              </a:solidFill>
-              <a:latin typeface="Arial"/>
-              <a:cs typeface="Arial"/>
-            </a:endParaRPr>
-          </a:p>
-          <a:p>
-            <a:pPr>
-              <a:defRPr/>
-            </a:pPr>
-            <a:endParaRPr sz="2800"/>
-          </a:p>
-        </p:txBody>
-      </p:sp>
-      <p:sp>
-        <p:nvSpPr>
-          <p:cNvPr id="634622382" name="Textplatzhalter 7"/>
-          <p:cNvSpPr>
-            <a:spLocks noGrp="1"/>
-          </p:cNvSpPr>
-          <p:nvPr>
-            <p:ph type="body" sz="quarter" idx="13"/>
-          </p:nvPr>
-        </p:nvSpPr>
-        <p:spPr bwMode="auto">
-          <a:xfrm>
-            <a:off x="374325" y="1855944"/>
-            <a:ext cx="8515675" cy="858681"/>
-          </a:xfrm>
-        </p:spPr>
-        <p:txBody>
-          <a:bodyPr>
-            <a:normAutofit/>
-          </a:bodyPr>
-          <a:lstStyle/>
-          <a:p>
-            <a:pPr>
-              <a:defRPr/>
-            </a:pPr>
-            <a:r>
-              <a:rPr lang="de-DE" sz="1800" b="1" i="0" u="none" strike="noStrike" cap="none" spc="0">
-                <a:solidFill>
-                  <a:schemeClr val="tx1"/>
-                </a:solidFill>
-                <a:latin typeface="Arial"/>
-                <a:ea typeface="Arial"/>
-                <a:cs typeface="Arial"/>
-              </a:rPr>
-              <a:t>Commissioning of a Commercial 12-DOF Quadruped</a:t>
-            </a:r>
-            <a:endParaRPr/>
-          </a:p>
-          <a:p>
-            <a:pPr>
-              <a:defRPr/>
-            </a:pPr>
-            <a:endParaRPr lang="en-CA"/>
-          </a:p>
-          <a:p>
-            <a:pPr>
-              <a:defRPr/>
-            </a:pPr>
-            <a:r>
+            <a:fld id="{DEB12824-0FEE-803B-A3B6-2F7E4AD6B760}" type="datetime1">
               <a:rPr lang="de-DE"/>
-              <a:t>Lukas, Simon, Linus Fischer</a:t>
-            </a:r>
-            <a:endParaRPr/>
-          </a:p>
-          <a:p>
-            <a:pPr>
-              <a:defRPr/>
-            </a:pPr>
-            <a:endParaRPr lang="en-CA"/>
-          </a:p>
-          <a:p>
-            <a:pPr>
-              <a:defRPr/>
-            </a:pPr>
-            <a:endParaRPr lang="en-CA"/>
-          </a:p>
-          <a:p>
-            <a:pPr>
-              <a:defRPr/>
-            </a:pPr>
-            <a:endParaRPr lang="de-DE"/>
+              <a:t/>
+            </a:fld>
+            <a:endParaRPr lang="en-US"/>
+          </a:p>
+        </p:txBody>
+      </p:sp>
+      <p:sp>
+        <p:nvSpPr>
+          <p:cNvPr id="1897520462" name="Slide Number Placeholder 5"/>
+          <p:cNvSpPr>
+            <a:spLocks noGrp="1"/>
+          </p:cNvSpPr>
+          <p:nvPr>
+            <p:ph type="sldNum" sz="quarter" idx="12"/>
+          </p:nvPr>
+        </p:nvSpPr>
+        <p:spPr bwMode="auto">
+          <a:xfrm>
+            <a:off x="216000" y="4748823"/>
+            <a:ext cx="326367" cy="396263"/>
+          </a:xfrm>
+          <a:prstGeom prst="rect">
+            <a:avLst/>
+          </a:prstGeom>
+        </p:spPr>
+        <p:txBody>
+          <a:bodyPr/>
+          <a:lstStyle>
+            <a:lvl1pPr>
+              <a:defRPr/>
+            </a:lvl1pPr>
+          </a:lstStyle>
+          <a:p>
+            <a:pPr>
+              <a:defRPr/>
+            </a:pPr>
+            <a:fld id="{65BADA24-48D4-56D5-BCEF-AA23F3FB686B}" type="slidenum">
+              <a:rPr lang="en-US"/>
+              <a:t/>
+            </a:fld>
+            <a:endParaRPr lang="en-US"/>
+          </a:p>
+        </p:txBody>
+      </p:sp>
+      <p:sp>
+        <p:nvSpPr>
+          <p:cNvPr id="1707178812" name="Title Placeholder 1"/>
+          <p:cNvSpPr>
+            <a:spLocks noGrp="1"/>
+          </p:cNvSpPr>
+          <p:nvPr>
+            <p:ph type="title" hasCustomPrompt="1"/>
+          </p:nvPr>
+        </p:nvSpPr>
+        <p:spPr bwMode="auto">
+          <a:xfrm>
+            <a:off x="396000" y="296243"/>
+            <a:ext cx="6869178" cy="575988"/>
+          </a:xfrm>
+          <a:prstGeom prst="rect">
+            <a:avLst/>
+          </a:prstGeom>
+        </p:spPr>
+        <p:txBody>
+          <a:bodyPr/>
+          <a:lstStyle>
+            <a:lvl1pPr>
+              <a:defRPr/>
+            </a:lvl1pPr>
+          </a:lstStyle>
+          <a:p>
+            <a:pPr>
+              <a:defRPr/>
+            </a:pPr>
+            <a:endParaRPr/>
           </a:p>
         </p:txBody>
       </p:sp>
       <p:pic>
         <p:nvPicPr>
-          <p:cNvPr id="1669495702" name="Bildplatzhalter 3"/>
+          <p:cNvPr id="1389427039" name=""/>
           <p:cNvPicPr>
-            <a:picLocks noChangeAspect="1" noGrp="1"/>
+            <a:picLocks noChangeAspect="1"/>
           </p:cNvPicPr>
-          <p:nvPr>
-            <p:ph type="pic" sz="quarter" idx="10"/>
-          </p:nvPr>
+          <p:nvPr/>
         </p:nvPicPr>
         <p:blipFill>
           <a:blip r:embed="rId3"/>
-          <a:srcRect l="0" t="18811" r="0" b="18811"/>
           <a:stretch/>
         </p:blipFill>
-        <p:spPr bwMode="auto"/>
+        <p:spPr bwMode="auto">
+          <a:xfrm flipH="0" flipV="0">
+            <a:off x="741533" y="968615"/>
+            <a:ext cx="7489010" cy="3728462"/>
+          </a:xfrm>
+          <a:prstGeom prst="rect">
+            <a:avLst/>
+          </a:prstGeom>
+        </p:spPr>
       </p:pic>
     </p:spTree>
   </p:cSld>
@@ -5912,7 +6069,265 @@
       </p:grpSpPr>
       <p:sp>
         <p:nvSpPr>
-          <p:cNvPr id="2093237649" name="Date Placeholder 2"/>
+          <p:cNvPr id="1541994702" name="Content Placeholder 1"/>
+          <p:cNvSpPr>
+            <a:spLocks noGrp="1"/>
+          </p:cNvSpPr>
+          <p:nvPr>
+            <p:ph idx="1"/>
+          </p:nvPr>
+        </p:nvSpPr>
+        <p:spPr bwMode="auto">
+          <a:xfrm>
+            <a:off x="400050" y="1188000"/>
+            <a:ext cx="8343900" cy="3447795"/>
+          </a:xfrm>
+        </p:spPr>
+        <p:txBody>
+          <a:bodyPr vert="horz" lIns="0" tIns="0" rIns="0" bIns="0" rtlCol="0" anchor="t">
+            <a:normAutofit/>
+          </a:bodyPr>
+          <a:lstStyle/>
+          <a:p>
+            <a:pPr>
+              <a:defRPr/>
+            </a:pPr>
+            <a:r>
+              <a:rPr lang="de-DE" sz="1800" b="0" i="0" u="none" strike="noStrike" cap="none" spc="0">
+                <a:solidFill>
+                  <a:schemeClr val="tx1"/>
+                </a:solidFill>
+                <a:latin typeface="Arial"/>
+                <a:ea typeface="Arial"/>
+                <a:cs typeface="Arial"/>
+              </a:rPr>
+              <a:t>i</a:t>
+            </a:r>
+            <a:r>
+              <a:rPr lang="en-US" sz="1800" b="0" i="0" u="none" strike="noStrike" cap="none" spc="0">
+                <a:solidFill>
+                  <a:schemeClr val="tx1"/>
+                </a:solidFill>
+                <a:latin typeface="Arial"/>
+                <a:ea typeface="Arial"/>
+                <a:cs typeface="Arial"/>
+              </a:rPr>
+              <a:t>nterim project presentation</a:t>
+            </a:r>
+            <a:endParaRPr lang="en-US" sz="1800" b="0" i="0" u="none" strike="noStrike" cap="none" spc="0">
+              <a:solidFill>
+                <a:schemeClr val="tx1"/>
+              </a:solidFill>
+              <a:latin typeface="Arial"/>
+              <a:cs typeface="Arial"/>
+            </a:endParaRPr>
+          </a:p>
+          <a:p>
+            <a:pPr lvl="1">
+              <a:defRPr/>
+            </a:pPr>
+            <a:r>
+              <a:rPr lang="en-US" sz="1600" b="0" i="0" u="none" strike="noStrike" cap="none" spc="0">
+                <a:solidFill>
+                  <a:schemeClr val="tx1"/>
+                </a:solidFill>
+                <a:latin typeface="Arial"/>
+                <a:ea typeface="Arial"/>
+                <a:cs typeface="Arial"/>
+              </a:rPr>
+              <a:t>Each group has a time window of 20 minutes</a:t>
+            </a:r>
+            <a:endParaRPr lang="en-US" sz="1800" b="0" i="0" u="none" strike="noStrike" cap="none" spc="0">
+              <a:solidFill>
+                <a:schemeClr val="tx1"/>
+              </a:solidFill>
+              <a:latin typeface="Arial"/>
+              <a:cs typeface="Arial"/>
+            </a:endParaRPr>
+          </a:p>
+          <a:p>
+            <a:pPr lvl="1">
+              <a:defRPr/>
+            </a:pPr>
+            <a:r>
+              <a:rPr lang="en-US" sz="1600" b="0" i="0" u="none" strike="noStrike" cap="none" spc="0">
+                <a:solidFill>
+                  <a:schemeClr val="tx1"/>
+                </a:solidFill>
+                <a:latin typeface="Arial"/>
+                <a:ea typeface="Arial"/>
+                <a:cs typeface="Arial"/>
+              </a:rPr>
+              <a:t>15 min presentation</a:t>
+            </a:r>
+            <a:endParaRPr lang="en-US" sz="1800" b="0" i="0" u="none" strike="noStrike" cap="none" spc="0">
+              <a:solidFill>
+                <a:schemeClr val="tx1"/>
+              </a:solidFill>
+              <a:latin typeface="Arial"/>
+              <a:cs typeface="Arial"/>
+            </a:endParaRPr>
+          </a:p>
+          <a:p>
+            <a:pPr lvl="1">
+              <a:defRPr/>
+            </a:pPr>
+            <a:r>
+              <a:rPr lang="en-US" sz="1600" b="0" i="0" u="none" strike="noStrike" cap="none" spc="0">
+                <a:solidFill>
+                  <a:schemeClr val="tx1"/>
+                </a:solidFill>
+                <a:latin typeface="Arial"/>
+                <a:ea typeface="Arial"/>
+                <a:cs typeface="Arial"/>
+              </a:rPr>
+              <a:t>5 min discussion/questions</a:t>
+            </a:r>
+            <a:endParaRPr lang="en-US" sz="1800" b="0" i="0" u="none" strike="noStrike" cap="none" spc="0">
+              <a:solidFill>
+                <a:schemeClr val="tx1"/>
+              </a:solidFill>
+              <a:latin typeface="Arial"/>
+              <a:cs typeface="Arial"/>
+            </a:endParaRPr>
+          </a:p>
+          <a:p>
+            <a:pPr lvl="1">
+              <a:defRPr/>
+            </a:pPr>
+            <a:r>
+              <a:rPr lang="en-US" sz="1600" b="0" i="0" u="none" strike="noStrike" cap="none" spc="0">
+                <a:solidFill>
+                  <a:schemeClr val="tx1"/>
+                </a:solidFill>
+                <a:latin typeface="Arial"/>
+                <a:ea typeface="Arial"/>
+                <a:cs typeface="Arial"/>
+              </a:rPr>
+              <a:t>All group members are expected to present and respond to questions</a:t>
+            </a:r>
+            <a:endParaRPr lang="en-US" sz="1800" b="0" i="0" u="none" strike="noStrike" cap="none" spc="0">
+              <a:solidFill>
+                <a:schemeClr val="tx1"/>
+              </a:solidFill>
+              <a:latin typeface="Arial"/>
+              <a:cs typeface="Arial"/>
+            </a:endParaRPr>
+          </a:p>
+          <a:p>
+            <a:pPr>
+              <a:defRPr/>
+            </a:pPr>
+            <a:r>
+              <a:rPr lang="en-US" sz="1800" b="0" i="0" u="none" strike="noStrike" cap="none" spc="0">
+                <a:solidFill>
+                  <a:schemeClr val="tx1"/>
+                </a:solidFill>
+                <a:latin typeface="Arial"/>
+                <a:ea typeface="Arial"/>
+                <a:cs typeface="Arial"/>
+              </a:rPr>
+              <a:t>Contents of the presentation</a:t>
+            </a:r>
+            <a:endParaRPr lang="en-US" sz="1800" b="0" i="0" u="none" strike="noStrike" cap="none" spc="0">
+              <a:solidFill>
+                <a:schemeClr val="tx1"/>
+              </a:solidFill>
+              <a:latin typeface="Arial"/>
+              <a:cs typeface="Arial"/>
+            </a:endParaRPr>
+          </a:p>
+          <a:p>
+            <a:pPr lvl="1">
+              <a:defRPr/>
+            </a:pPr>
+            <a:r>
+              <a:rPr lang="en-US" sz="1600" b="0" i="0" u="none" strike="noStrike" cap="none" spc="0">
+                <a:solidFill>
+                  <a:schemeClr val="tx1"/>
+                </a:solidFill>
+                <a:latin typeface="Arial"/>
+                <a:ea typeface="Arial"/>
+                <a:cs typeface="Arial"/>
+              </a:rPr>
+              <a:t>Introduction (theoretical &amp; technical foundation, related work)</a:t>
+            </a:r>
+            <a:endParaRPr lang="en-US" sz="1800" b="0" i="0" u="none" strike="noStrike" cap="none" spc="0">
+              <a:solidFill>
+                <a:schemeClr val="tx1"/>
+              </a:solidFill>
+              <a:latin typeface="Arial"/>
+              <a:cs typeface="Arial"/>
+            </a:endParaRPr>
+          </a:p>
+          <a:p>
+            <a:pPr lvl="1">
+              <a:defRPr/>
+            </a:pPr>
+            <a:r>
+              <a:rPr lang="en-US" sz="1600" b="0" i="0" u="none" strike="noStrike" cap="none" spc="0">
+                <a:solidFill>
+                  <a:schemeClr val="tx1"/>
+                </a:solidFill>
+                <a:latin typeface="Arial"/>
+                <a:ea typeface="Arial"/>
+                <a:cs typeface="Arial"/>
+              </a:rPr>
+              <a:t>Detailed workplan for your project</a:t>
+            </a:r>
+            <a:endParaRPr lang="en-US" sz="1800" b="0" i="0" u="none" strike="noStrike" cap="none" spc="0">
+              <a:solidFill>
+                <a:schemeClr val="tx1"/>
+              </a:solidFill>
+              <a:latin typeface="Arial"/>
+              <a:cs typeface="Arial"/>
+            </a:endParaRPr>
+          </a:p>
+          <a:p>
+            <a:pPr lvl="1">
+              <a:defRPr/>
+            </a:pPr>
+            <a:r>
+              <a:rPr lang="en-US" sz="1600" b="0" i="0" u="none" strike="noStrike" cap="none" spc="0">
+                <a:solidFill>
+                  <a:schemeClr val="tx1"/>
+                </a:solidFill>
+                <a:latin typeface="Arial"/>
+                <a:ea typeface="Arial"/>
+                <a:cs typeface="Arial"/>
+              </a:rPr>
+              <a:t>Current state of your work &amp; problems</a:t>
+            </a:r>
+            <a:endParaRPr lang="en-US" sz="1800" b="0" i="0" u="none" strike="noStrike" cap="none" spc="0">
+              <a:solidFill>
+                <a:schemeClr val="tx1"/>
+              </a:solidFill>
+              <a:latin typeface="Arial"/>
+              <a:cs typeface="Arial"/>
+            </a:endParaRPr>
+          </a:p>
+          <a:p>
+            <a:pPr marL="603249" lvl="1" indent="-203200">
+              <a:defRPr/>
+            </a:pPr>
+            <a:r>
+              <a:rPr lang="en-US" sz="1600" b="0" i="0" u="none" strike="noStrike" cap="none" spc="0">
+                <a:solidFill>
+                  <a:schemeClr val="tx1"/>
+                </a:solidFill>
+                <a:latin typeface="Arial"/>
+                <a:ea typeface="Arial"/>
+                <a:cs typeface="Arial"/>
+              </a:rPr>
+              <a:t>Not graded but mandatory</a:t>
+            </a:r>
+            <a:endParaRPr lang="en-US" sz="1800"/>
+          </a:p>
+        </p:txBody>
+      </p:sp>
+      <p:sp>
+        <p:nvSpPr>
+          <p:cNvPr id="1684098701" name="Date Placeholder 2"/>
           <p:cNvSpPr>
             <a:spLocks noGrp="1"/>
           </p:cNvSpPr>
@@ -5920,15 +6335,7 @@
             <p:ph type="dt" sz="half" idx="10"/>
           </p:nvPr>
         </p:nvSpPr>
-        <p:spPr bwMode="auto">
-          <a:xfrm>
-            <a:off x="627233" y="4748823"/>
-            <a:ext cx="1027754" cy="396263"/>
-          </a:xfrm>
-          <a:prstGeom prst="rect">
-            <a:avLst/>
-          </a:prstGeom>
-        </p:spPr>
+        <p:spPr bwMode="auto"/>
         <p:txBody>
           <a:bodyPr/>
           <a:lstStyle/>
@@ -5936,17 +6343,17 @@
             <a:pPr>
               <a:defRPr/>
             </a:pPr>
-            <a:fld id="{C5B422E3-A595-F52F-707F-24904735BD51}" type="datetime1">
+            <a:fld id="{0A9BFA6A-9A63-4E2D-92C0-C77BFA750EDB}" type="datetime1">
               <a:rPr lang="de-DE"/>
-              <a:t/>
+              <a:t>08.01.2025</a:t>
             </a:fld>
-            <a:endParaRPr lang="de-DE"/>
-          </a:p>
-        </p:txBody>
-      </p:sp>
-      <p:sp>
-        <p:nvSpPr>
-          <p:cNvPr id="1809882298" name="Slide Number Placeholder 4"/>
+            <a:endParaRPr lang="en-US"/>
+          </a:p>
+        </p:txBody>
+      </p:sp>
+      <p:sp>
+        <p:nvSpPr>
+          <p:cNvPr id="585016932" name="Slide Number Placeholder 3"/>
           <p:cNvSpPr>
             <a:spLocks noGrp="1"/>
           </p:cNvSpPr>
@@ -5954,15 +6361,7 @@
             <p:ph type="sldNum" sz="quarter" idx="12"/>
           </p:nvPr>
         </p:nvSpPr>
-        <p:spPr bwMode="auto">
-          <a:xfrm>
-            <a:off x="216000" y="4748823"/>
-            <a:ext cx="326367" cy="396263"/>
-          </a:xfrm>
-          <a:prstGeom prst="rect">
-            <a:avLst/>
-          </a:prstGeom>
-        </p:spPr>
+        <p:spPr bwMode="auto"/>
         <p:txBody>
           <a:bodyPr/>
           <a:lstStyle/>
@@ -5970,47 +6369,35 @@
             <a:pPr>
               <a:defRPr/>
             </a:pPr>
-            <a:fld id="{14E09903-DB02-322D-C9B7-06E4FDDC4AB7}" type="slidenum">
+            <a:fld id="{61696EC4-B4CF-4701-AD06-A8439D6D8E12}" type="slidenum">
+              <a:rPr lang="en-US"/>
+              <a:t>2</a:t>
+            </a:fld>
+            <a:endParaRPr lang="en-US"/>
+          </a:p>
+        </p:txBody>
+      </p:sp>
+      <p:sp>
+        <p:nvSpPr>
+          <p:cNvPr id="1344136244" name="Title 4"/>
+          <p:cNvSpPr>
+            <a:spLocks noGrp="1"/>
+          </p:cNvSpPr>
+          <p:nvPr>
+            <p:ph type="title"/>
+          </p:nvPr>
+        </p:nvSpPr>
+        <p:spPr bwMode="auto"/>
+        <p:txBody>
+          <a:bodyPr/>
+          <a:lstStyle/>
+          <a:p>
+            <a:pPr>
+              <a:defRPr/>
+            </a:pPr>
+            <a:r>
               <a:rPr lang="de-DE"/>
-              <a:t/>
-            </a:fld>
-            <a:endParaRPr lang="de-DE"/>
-          </a:p>
-        </p:txBody>
-      </p:sp>
-      <p:sp>
-        <p:nvSpPr>
-          <p:cNvPr id="2013046166" name="Title Placeholder 1"/>
-          <p:cNvSpPr>
-            <a:spLocks noGrp="1"/>
-          </p:cNvSpPr>
-          <p:nvPr>
-            <p:ph type="title" hasCustomPrompt="1"/>
-          </p:nvPr>
-        </p:nvSpPr>
-        <p:spPr bwMode="auto">
-          <a:xfrm>
-            <a:off x="396000" y="296243"/>
-            <a:ext cx="6869178" cy="575988"/>
-          </a:xfrm>
-          <a:prstGeom prst="rect">
-            <a:avLst/>
-          </a:prstGeom>
-        </p:spPr>
-        <p:txBody>
-          <a:bodyPr/>
-          <a:lstStyle>
-            <a:lvl1pPr>
-              <a:defRPr/>
-            </a:lvl1pPr>
-          </a:lstStyle>
-          <a:p>
-            <a:pPr>
-              <a:defRPr/>
-            </a:pPr>
-            <a:r>
-              <a:rPr lang="de-DE"/>
-              <a:t>The Task</a:t>
+              <a:t>Task</a:t>
             </a:r>
             <a:endParaRPr/>
           </a:p>
@@ -6051,48 +6438,31 @@
       </p:grpSpPr>
       <p:sp>
         <p:nvSpPr>
-          <p:cNvPr id="1555030134" name="Content Placeholder 2"/>
-          <p:cNvSpPr>
-            <a:spLocks noGrp="1"/>
-          </p:cNvSpPr>
-          <p:nvPr>
-            <p:ph idx="1" hasCustomPrompt="1"/>
-          </p:nvPr>
-        </p:nvSpPr>
-        <p:spPr bwMode="auto">
-          <a:xfrm>
-            <a:off x="400050" y="1188000"/>
-            <a:ext cx="8343900" cy="3365892"/>
-          </a:xfrm>
-        </p:spPr>
-        <p:txBody>
-          <a:bodyPr/>
-          <a:lstStyle>
-            <a:lvl1pPr>
-              <a:defRPr/>
-            </a:lvl1pPr>
-            <a:lvl2pPr>
-              <a:defRPr/>
-            </a:lvl2pPr>
-            <a:lvl3pPr>
-              <a:defRPr/>
-            </a:lvl3pPr>
-            <a:lvl4pPr>
-              <a:defRPr/>
-            </a:lvl4pPr>
-            <a:lvl5pPr>
-              <a:defRPr sz="1600"/>
-            </a:lvl5pPr>
-          </a:lstStyle>
-          <a:p>
-            <a:pPr marL="305908" indent="-305908">
-              <a:buSzPct val="88000"/>
-              <a:buFont typeface="Arial"/>
-              <a:buChar char="•"/>
-              <a:defRPr/>
-            </a:pPr>
-            <a:r>
-              <a:rPr lang="en-US" sz="2000" b="0" i="0" u="none" strike="noStrike" cap="none" spc="0">
+          <p:cNvPr id="407372607" name="Textplatzhalter 6"/>
+          <p:cNvSpPr>
+            <a:spLocks noGrp="1"/>
+          </p:cNvSpPr>
+          <p:nvPr>
+            <p:ph type="body" sz="quarter" idx="11"/>
+          </p:nvPr>
+        </p:nvSpPr>
+        <p:spPr bwMode="auto">
+          <a:xfrm flipH="0" flipV="0">
+            <a:off x="365442" y="1333499"/>
+            <a:ext cx="8524557" cy="666749"/>
+          </a:xfrm>
+        </p:spPr>
+        <p:txBody>
+          <a:bodyPr vertOverflow="overflow" horzOverflow="overflow" vert="horz" wrap="square" lIns="0" tIns="0" rIns="0" bIns="0" numCol="1" spcCol="0" rtlCol="0" fromWordArt="0" anchor="t" anchorCtr="0" forceAA="0" upright="0" compatLnSpc="0">
+            <a:normAutofit fontScale="90000" lnSpcReduction="2000"/>
+          </a:bodyPr>
+          <a:lstStyle/>
+          <a:p>
+            <a:pPr>
+              <a:defRPr/>
+            </a:pPr>
+            <a:r>
+              <a:rPr lang="de-DE" sz="2600" b="1" i="0" u="none" strike="noStrike" cap="none" spc="0">
                 <a:solidFill>
                   <a:schemeClr val="tx1"/>
                 </a:solidFill>
@@ -6100,10 +6470,51 @@
                 <a:ea typeface="Arial"/>
                 <a:cs typeface="Arial"/>
               </a:rPr>
-              <a:t>Go2 should be able to detect and stay locked on to his “owner”, go for a walk with the</a:t>
-            </a:r>
-            <a:r>
-              <a:rPr lang="de-DE" sz="2000" b="0" i="0" u="none" strike="noStrike" cap="none" spc="0">
+              <a:t>Let‘s GO2 for a Walk:</a:t>
+            </a:r>
+            <a:endParaRPr lang="de-DE" sz="3600" b="1" i="0" u="none" strike="noStrike" cap="none" spc="0">
+              <a:solidFill>
+                <a:schemeClr val="tx1"/>
+              </a:solidFill>
+              <a:latin typeface="Arial"/>
+              <a:cs typeface="Arial"/>
+            </a:endParaRPr>
+          </a:p>
+          <a:p>
+            <a:pPr>
+              <a:defRPr/>
+            </a:pPr>
+            <a:endParaRPr sz="2800"/>
+          </a:p>
+        </p:txBody>
+      </p:sp>
+      <p:sp>
+        <p:nvSpPr>
+          <p:cNvPr id="1016360331" name="Textplatzhalter 7"/>
+          <p:cNvSpPr>
+            <a:spLocks noGrp="1"/>
+          </p:cNvSpPr>
+          <p:nvPr>
+            <p:ph type="body" sz="quarter" idx="13"/>
+          </p:nvPr>
+        </p:nvSpPr>
+        <p:spPr bwMode="auto">
+          <a:xfrm>
+            <a:off x="374325" y="1855944"/>
+            <a:ext cx="8515675" cy="858681"/>
+          </a:xfrm>
+        </p:spPr>
+        <p:txBody>
+          <a:bodyPr>
+            <a:normAutofit/>
+          </a:bodyPr>
+          <a:lstStyle/>
+          <a:p>
+            <a:pPr>
+              <a:defRPr/>
+            </a:pPr>
+            <a:r>
+              <a:rPr lang="de-DE" sz="1800" b="1" i="0" u="none" strike="noStrike" cap="none" spc="0">
                 <a:solidFill>
                   <a:schemeClr val="tx1"/>
                 </a:solidFill>
@@ -6111,197 +6522,62 @@
                 <a:ea typeface="Arial"/>
                 <a:cs typeface="Arial"/>
               </a:rPr>
-              <a:t> </a:t>
-            </a:r>
-            <a:r>
-              <a:rPr lang="en-US" sz="2000" b="0" i="0" u="none" strike="noStrike" cap="none" spc="0">
-                <a:solidFill>
-                  <a:schemeClr val="tx1"/>
-                </a:solidFill>
-                <a:latin typeface="Arial"/>
-                <a:ea typeface="Arial"/>
-                <a:cs typeface="Arial"/>
-              </a:rPr>
-              <a:t>owner while actively avoiding walk collision and not invading personal space of other</a:t>
-            </a:r>
+              <a:t>Commissioning of a Commercial 12-DOF Quadruped</a:t>
+            </a:r>
+            <a:endParaRPr/>
+          </a:p>
+          <a:p>
+            <a:pPr>
+              <a:defRPr/>
+            </a:pPr>
+            <a:endParaRPr lang="en-CA"/>
+          </a:p>
+          <a:p>
+            <a:pPr>
+              <a:defRPr/>
+            </a:pPr>
             <a:r>
               <a:rPr lang="de-DE"/>
-              <a:t> </a:t>
-            </a:r>
-            <a:r>
-              <a:rPr lang="en-US" sz="2000" b="0" i="0" u="none" strike="noStrike" cap="none" spc="0">
-                <a:solidFill>
-                  <a:schemeClr val="tx1"/>
-                </a:solidFill>
-                <a:latin typeface="Arial"/>
-                <a:ea typeface="Arial"/>
-                <a:cs typeface="Arial"/>
-              </a:rPr>
-              <a:t>people. </a:t>
-            </a:r>
-            <a:endParaRPr lang="en-US" sz="2000" b="0" i="0" u="none" strike="noStrike" cap="none" spc="0">
-              <a:solidFill>
-                <a:schemeClr val="tx1"/>
-              </a:solidFill>
-              <a:latin typeface="Arial"/>
-              <a:cs typeface="Arial"/>
-            </a:endParaRPr>
-          </a:p>
-        </p:txBody>
-      </p:sp>
-      <p:sp>
-        <p:nvSpPr>
-          <p:cNvPr id="2129311450" name="Date Placeholder 3"/>
-          <p:cNvSpPr>
-            <a:spLocks noGrp="1"/>
-          </p:cNvSpPr>
-          <p:nvPr>
-            <p:ph type="dt" sz="half" idx="10"/>
-          </p:nvPr>
-        </p:nvSpPr>
-        <p:spPr bwMode="auto">
-          <a:xfrm>
-            <a:off x="627233" y="4748823"/>
-            <a:ext cx="1027754" cy="396263"/>
-          </a:xfrm>
-          <a:prstGeom prst="rect">
-            <a:avLst/>
-          </a:prstGeom>
-        </p:spPr>
-        <p:txBody>
-          <a:bodyPr/>
-          <a:lstStyle/>
-          <a:p>
-            <a:pPr>
-              <a:defRPr/>
-            </a:pPr>
-            <a:fld id="{00542DB8-129B-2B2D-0E4E-6376752E0969}" type="datetime1">
-              <a:rPr lang="de-DE"/>
-              <a:t/>
-            </a:fld>
-            <a:endParaRPr lang="en-US"/>
-          </a:p>
-        </p:txBody>
-      </p:sp>
-      <p:sp>
-        <p:nvSpPr>
-          <p:cNvPr id="894139513" name="Slide Number Placeholder 5"/>
-          <p:cNvSpPr>
-            <a:spLocks noGrp="1"/>
-          </p:cNvSpPr>
-          <p:nvPr>
-            <p:ph type="sldNum" sz="quarter" idx="12"/>
-          </p:nvPr>
-        </p:nvSpPr>
-        <p:spPr bwMode="auto">
-          <a:xfrm>
-            <a:off x="216000" y="4748823"/>
-            <a:ext cx="326367" cy="396263"/>
-          </a:xfrm>
-          <a:prstGeom prst="rect">
-            <a:avLst/>
-          </a:prstGeom>
-        </p:spPr>
-        <p:txBody>
-          <a:bodyPr/>
-          <a:lstStyle>
-            <a:lvl1pPr>
-              <a:defRPr/>
-            </a:lvl1pPr>
-          </a:lstStyle>
-          <a:p>
-            <a:pPr>
-              <a:defRPr/>
-            </a:pPr>
-            <a:fld id="{9253DF30-BE70-7A07-D82C-F705021DE406}" type="slidenum">
-              <a:rPr lang="en-US"/>
-              <a:t/>
-            </a:fld>
-            <a:endParaRPr lang="en-US"/>
-          </a:p>
-        </p:txBody>
-      </p:sp>
-      <p:sp>
-        <p:nvSpPr>
-          <p:cNvPr id="1319915413" name="Title Placeholder 1"/>
-          <p:cNvSpPr>
-            <a:spLocks noGrp="1"/>
-          </p:cNvSpPr>
-          <p:nvPr>
-            <p:ph type="title" hasCustomPrompt="1"/>
-          </p:nvPr>
-        </p:nvSpPr>
-        <p:spPr bwMode="auto">
-          <a:xfrm>
-            <a:off x="396000" y="296243"/>
-            <a:ext cx="6869178" cy="575988"/>
-          </a:xfrm>
-          <a:prstGeom prst="rect">
-            <a:avLst/>
-          </a:prstGeom>
-        </p:spPr>
-        <p:txBody>
-          <a:bodyPr/>
-          <a:lstStyle>
-            <a:lvl1pPr>
-              <a:defRPr/>
-            </a:lvl1pPr>
-          </a:lstStyle>
-          <a:p>
-            <a:pPr>
-              <a:defRPr/>
-            </a:pPr>
-            <a:r>
-              <a:rPr lang="de-DE"/>
-              <a:t>The Task</a:t>
-            </a:r>
-            <a:endParaRPr/>
+              <a:t>Lukas, Simon, Linus Fischer</a:t>
+            </a:r>
+            <a:endParaRPr/>
+          </a:p>
+          <a:p>
+            <a:pPr>
+              <a:defRPr/>
+            </a:pPr>
+            <a:endParaRPr lang="en-CA"/>
+          </a:p>
+          <a:p>
+            <a:pPr>
+              <a:defRPr/>
+            </a:pPr>
+            <a:endParaRPr lang="en-CA"/>
+          </a:p>
+          <a:p>
+            <a:pPr>
+              <a:defRPr/>
+            </a:pPr>
+            <a:endParaRPr lang="de-DE"/>
           </a:p>
         </p:txBody>
       </p:sp>
       <p:pic>
         <p:nvPicPr>
-          <p:cNvPr id="1999337907" name=""/>
+          <p:cNvPr id="1924280912" name="Bildplatzhalter 3"/>
           <p:cNvPicPr>
-            <a:picLocks noChangeAspect="1"/>
+            <a:picLocks noChangeAspect="1" noGrp="1"/>
           </p:cNvPicPr>
-          <p:nvPr/>
+          <p:nvPr>
+            <p:ph type="pic" sz="quarter" idx="10"/>
+          </p:nvPr>
         </p:nvPicPr>
         <p:blipFill>
           <a:blip r:embed="rId3"/>
+          <a:srcRect l="0" t="18811" r="0" b="18811"/>
           <a:stretch/>
         </p:blipFill>
-        <p:spPr bwMode="auto">
-          <a:xfrm flipH="0" flipV="0">
-            <a:off x="412003" y="2324099"/>
-            <a:ext cx="4069613" cy="2294774"/>
-          </a:xfrm>
-          <a:prstGeom prst="rect">
-            <a:avLst/>
-          </a:prstGeom>
-        </p:spPr>
-      </p:pic>
-      <p:pic>
-        <p:nvPicPr>
-          <p:cNvPr id="701027616" name=""/>
-          <p:cNvPicPr>
-            <a:picLocks noChangeAspect="1"/>
-          </p:cNvPicPr>
-          <p:nvPr/>
-        </p:nvPicPr>
-        <p:blipFill>
-          <a:blip r:embed="rId4"/>
-          <a:stretch/>
-        </p:blipFill>
-        <p:spPr bwMode="auto">
-          <a:xfrm flipH="0" flipV="0">
-            <a:off x="4216074" y="2324099"/>
-            <a:ext cx="4651442" cy="2622855"/>
-          </a:xfrm>
-          <a:prstGeom prst="rect">
-            <a:avLst/>
-          </a:prstGeom>
-        </p:spPr>
+        <p:spPr bwMode="auto"/>
       </p:pic>
     </p:spTree>
   </p:cSld>
@@ -6338,7 +6614,107 @@
       </p:grpSpPr>
       <p:sp>
         <p:nvSpPr>
-          <p:cNvPr id="1993322675" name="Date Placeholder 3"/>
+          <p:cNvPr id="1555030134" name="Content Placeholder 2"/>
+          <p:cNvSpPr>
+            <a:spLocks noGrp="1"/>
+          </p:cNvSpPr>
+          <p:nvPr>
+            <p:ph idx="1" hasCustomPrompt="1"/>
+          </p:nvPr>
+        </p:nvSpPr>
+        <p:spPr bwMode="auto">
+          <a:xfrm>
+            <a:off x="400050" y="1188000"/>
+            <a:ext cx="8343900" cy="3365892"/>
+          </a:xfrm>
+        </p:spPr>
+        <p:txBody>
+          <a:bodyPr/>
+          <a:lstStyle>
+            <a:lvl1pPr>
+              <a:defRPr/>
+            </a:lvl1pPr>
+            <a:lvl2pPr>
+              <a:defRPr/>
+            </a:lvl2pPr>
+            <a:lvl3pPr>
+              <a:defRPr/>
+            </a:lvl3pPr>
+            <a:lvl4pPr>
+              <a:defRPr/>
+            </a:lvl4pPr>
+            <a:lvl5pPr>
+              <a:defRPr sz="1600"/>
+            </a:lvl5pPr>
+          </a:lstStyle>
+          <a:p>
+            <a:pPr marL="305908" indent="-305908">
+              <a:buSzPct val="88000"/>
+              <a:buFont typeface="Arial"/>
+              <a:buChar char="•"/>
+              <a:defRPr/>
+            </a:pPr>
+            <a:r>
+              <a:rPr lang="en-US" sz="2000" b="0" i="0" u="none" strike="noStrike" cap="none" spc="0">
+                <a:solidFill>
+                  <a:schemeClr val="tx1"/>
+                </a:solidFill>
+                <a:latin typeface="Arial"/>
+                <a:ea typeface="Arial"/>
+                <a:cs typeface="Arial"/>
+              </a:rPr>
+              <a:t>Go2 should be able to detect and stay locked on to his “owner”, go for a walk with the</a:t>
+            </a:r>
+            <a:r>
+              <a:rPr lang="de-DE" sz="2000" b="0" i="0" u="none" strike="noStrike" cap="none" spc="0">
+                <a:solidFill>
+                  <a:schemeClr val="tx1"/>
+                </a:solidFill>
+                <a:latin typeface="Arial"/>
+                <a:ea typeface="Arial"/>
+                <a:cs typeface="Arial"/>
+              </a:rPr>
+              <a:t> </a:t>
+            </a:r>
+            <a:r>
+              <a:rPr lang="en-US" sz="2000" b="0" i="0" u="none" strike="noStrike" cap="none" spc="0">
+                <a:solidFill>
+                  <a:schemeClr val="tx1"/>
+                </a:solidFill>
+                <a:latin typeface="Arial"/>
+                <a:ea typeface="Arial"/>
+                <a:cs typeface="Arial"/>
+              </a:rPr>
+              <a:t>owner while actively avoiding walk collision and not invading personal space of other</a:t>
+            </a:r>
+            <a:r>
+              <a:rPr lang="de-DE"/>
+              <a:t> </a:t>
+            </a:r>
+            <a:r>
+              <a:rPr lang="en-US" sz="2000" b="0" i="0" u="none" strike="noStrike" cap="none" spc="0">
+                <a:solidFill>
+                  <a:schemeClr val="tx1"/>
+                </a:solidFill>
+                <a:latin typeface="Arial"/>
+                <a:ea typeface="Arial"/>
+                <a:cs typeface="Arial"/>
+              </a:rPr>
+              <a:t>people. </a:t>
+            </a:r>
+            <a:endParaRPr lang="en-US" sz="2000" b="0" i="0" u="none" strike="noStrike" cap="none" spc="0">
+              <a:solidFill>
+                <a:schemeClr val="tx1"/>
+              </a:solidFill>
+              <a:latin typeface="Arial"/>
+              <a:cs typeface="Arial"/>
+            </a:endParaRPr>
+          </a:p>
+        </p:txBody>
+      </p:sp>
+      <p:sp>
+        <p:nvSpPr>
+          <p:cNvPr id="2129311450" name="Date Placeholder 3"/>
           <p:cNvSpPr>
             <a:spLocks noGrp="1"/>
           </p:cNvSpPr>
@@ -6362,7 +6738,7 @@
             <a:pPr>
               <a:defRPr/>
             </a:pPr>
-            <a:fld id="{DEB12824-0FEE-803B-A3B6-2F7E4AD6B760}" type="datetime1">
+            <a:fld id="{00542DB8-129B-2B2D-0E4E-6376752E0969}" type="datetime1">
               <a:rPr lang="de-DE"/>
               <a:t/>
             </a:fld>
@@ -6372,7 +6748,7 @@
       </p:sp>
       <p:sp>
         <p:nvSpPr>
-          <p:cNvPr id="1897520462" name="Slide Number Placeholder 5"/>
+          <p:cNvPr id="894139513" name="Slide Number Placeholder 5"/>
           <p:cNvSpPr>
             <a:spLocks noGrp="1"/>
           </p:cNvSpPr>
@@ -6400,7 +6776,7 @@
             <a:pPr>
               <a:defRPr/>
             </a:pPr>
-            <a:fld id="{65BADA24-48D4-56D5-BCEF-AA23F3FB686B}" type="slidenum">
+            <a:fld id="{9253DF30-BE70-7A07-D82C-F705021DE406}" type="slidenum">
               <a:rPr lang="en-US"/>
               <a:t/>
             </a:fld>
@@ -6410,7 +6786,7 @@
       </p:sp>
       <p:sp>
         <p:nvSpPr>
-          <p:cNvPr id="1707178812" name="Title Placeholder 1"/>
+          <p:cNvPr id="1319915413" name="Title Placeholder 1"/>
           <p:cNvSpPr>
             <a:spLocks noGrp="1"/>
           </p:cNvSpPr>
@@ -6438,13 +6814,17 @@
             <a:pPr>
               <a:defRPr/>
             </a:pPr>
+            <a:r>
+              <a:rPr lang="de-DE"/>
+              <a:t>The Task</a:t>
+            </a:r>
             <a:endParaRPr/>
           </a:p>
         </p:txBody>
       </p:sp>
       <p:pic>
         <p:nvPicPr>
-          <p:cNvPr id="1389427039" name=""/>
+          <p:cNvPr id="1999337907" name=""/>
           <p:cNvPicPr>
             <a:picLocks noChangeAspect="1"/>
           </p:cNvPicPr>
@@ -6456,8 +6836,30 @@
         </p:blipFill>
         <p:spPr bwMode="auto">
           <a:xfrm flipH="0" flipV="0">
-            <a:off x="741533" y="968615"/>
-            <a:ext cx="7489010" cy="3728462"/>
+            <a:off x="412003" y="2324099"/>
+            <a:ext cx="4069613" cy="2294774"/>
+          </a:xfrm>
+          <a:prstGeom prst="rect">
+            <a:avLst/>
+          </a:prstGeom>
+        </p:spPr>
+      </p:pic>
+      <p:pic>
+        <p:nvPicPr>
+          <p:cNvPr id="701027616" name=""/>
+          <p:cNvPicPr>
+            <a:picLocks noChangeAspect="1"/>
+          </p:cNvPicPr>
+          <p:nvPr/>
+        </p:nvPicPr>
+        <p:blipFill>
+          <a:blip r:embed="rId4"/>
+          <a:stretch/>
+        </p:blipFill>
+        <p:spPr bwMode="auto">
+          <a:xfrm flipH="0" flipV="0">
+            <a:off x="4216074" y="2324099"/>
+            <a:ext cx="4651442" cy="2622855"/>
           </a:xfrm>
           <a:prstGeom prst="rect">
             <a:avLst/>
@@ -6499,265 +6901,7 @@
       </p:grpSpPr>
       <p:sp>
         <p:nvSpPr>
-          <p:cNvPr id="1373491693" name="Content Placeholder 1"/>
-          <p:cNvSpPr>
-            <a:spLocks noGrp="1"/>
-          </p:cNvSpPr>
-          <p:nvPr>
-            <p:ph idx="1"/>
-          </p:nvPr>
-        </p:nvSpPr>
-        <p:spPr bwMode="auto">
-          <a:xfrm>
-            <a:off x="400050" y="1188000"/>
-            <a:ext cx="8343900" cy="3447795"/>
-          </a:xfrm>
-        </p:spPr>
-        <p:txBody>
-          <a:bodyPr vert="horz" lIns="0" tIns="0" rIns="0" bIns="0" rtlCol="0" anchor="t">
-            <a:normAutofit/>
-          </a:bodyPr>
-          <a:lstStyle/>
-          <a:p>
-            <a:pPr>
-              <a:defRPr/>
-            </a:pPr>
-            <a:r>
-              <a:rPr lang="de-DE" sz="1800" b="0" i="0" u="none" strike="noStrike" cap="none" spc="0">
-                <a:solidFill>
-                  <a:schemeClr val="tx1"/>
-                </a:solidFill>
-                <a:latin typeface="Arial"/>
-                <a:ea typeface="Arial"/>
-                <a:cs typeface="Arial"/>
-              </a:rPr>
-              <a:t>i</a:t>
-            </a:r>
-            <a:r>
-              <a:rPr lang="en-US" sz="1800" b="0" i="0" u="none" strike="noStrike" cap="none" spc="0">
-                <a:solidFill>
-                  <a:schemeClr val="tx1"/>
-                </a:solidFill>
-                <a:latin typeface="Arial"/>
-                <a:ea typeface="Arial"/>
-                <a:cs typeface="Arial"/>
-              </a:rPr>
-              <a:t>nterim project presentation</a:t>
-            </a:r>
-            <a:endParaRPr lang="en-US" sz="1800" b="0" i="0" u="none" strike="noStrike" cap="none" spc="0">
-              <a:solidFill>
-                <a:schemeClr val="tx1"/>
-              </a:solidFill>
-              <a:latin typeface="Arial"/>
-              <a:cs typeface="Arial"/>
-            </a:endParaRPr>
-          </a:p>
-          <a:p>
-            <a:pPr lvl="1">
-              <a:defRPr/>
-            </a:pPr>
-            <a:r>
-              <a:rPr lang="en-US" sz="1600" b="0" i="0" u="none" strike="noStrike" cap="none" spc="0">
-                <a:solidFill>
-                  <a:schemeClr val="tx1"/>
-                </a:solidFill>
-                <a:latin typeface="Arial"/>
-                <a:ea typeface="Arial"/>
-                <a:cs typeface="Arial"/>
-              </a:rPr>
-              <a:t>Each group has a time window of 20 minutes</a:t>
-            </a:r>
-            <a:endParaRPr lang="en-US" sz="1800" b="0" i="0" u="none" strike="noStrike" cap="none" spc="0">
-              <a:solidFill>
-                <a:schemeClr val="tx1"/>
-              </a:solidFill>
-              <a:latin typeface="Arial"/>
-              <a:cs typeface="Arial"/>
-            </a:endParaRPr>
-          </a:p>
-          <a:p>
-            <a:pPr lvl="1">
-              <a:defRPr/>
-            </a:pPr>
-            <a:r>
-              <a:rPr lang="en-US" sz="1600" b="0" i="0" u="none" strike="noStrike" cap="none" spc="0">
-                <a:solidFill>
-                  <a:schemeClr val="tx1"/>
-                </a:solidFill>
-                <a:latin typeface="Arial"/>
-                <a:ea typeface="Arial"/>
-                <a:cs typeface="Arial"/>
-              </a:rPr>
-              <a:t>15 min presentation</a:t>
-            </a:r>
-            <a:endParaRPr lang="en-US" sz="1800" b="0" i="0" u="none" strike="noStrike" cap="none" spc="0">
-              <a:solidFill>
-                <a:schemeClr val="tx1"/>
-              </a:solidFill>
-              <a:latin typeface="Arial"/>
-              <a:cs typeface="Arial"/>
-            </a:endParaRPr>
-          </a:p>
-          <a:p>
-            <a:pPr lvl="1">
-              <a:defRPr/>
-            </a:pPr>
-            <a:r>
-              <a:rPr lang="en-US" sz="1600" b="0" i="0" u="none" strike="noStrike" cap="none" spc="0">
-                <a:solidFill>
-                  <a:schemeClr val="tx1"/>
-                </a:solidFill>
-                <a:latin typeface="Arial"/>
-                <a:ea typeface="Arial"/>
-                <a:cs typeface="Arial"/>
-              </a:rPr>
-              <a:t>5 min discussion/questions</a:t>
-            </a:r>
-            <a:endParaRPr lang="en-US" sz="1800" b="0" i="0" u="none" strike="noStrike" cap="none" spc="0">
-              <a:solidFill>
-                <a:schemeClr val="tx1"/>
-              </a:solidFill>
-              <a:latin typeface="Arial"/>
-              <a:cs typeface="Arial"/>
-            </a:endParaRPr>
-          </a:p>
-          <a:p>
-            <a:pPr lvl="1">
-              <a:defRPr/>
-            </a:pPr>
-            <a:r>
-              <a:rPr lang="en-US" sz="1600" b="0" i="0" u="none" strike="noStrike" cap="none" spc="0">
-                <a:solidFill>
-                  <a:schemeClr val="tx1"/>
-                </a:solidFill>
-                <a:latin typeface="Arial"/>
-                <a:ea typeface="Arial"/>
-                <a:cs typeface="Arial"/>
-              </a:rPr>
-              <a:t>All group members are expected to present and respond to questions</a:t>
-            </a:r>
-            <a:endParaRPr lang="en-US" sz="1800" b="0" i="0" u="none" strike="noStrike" cap="none" spc="0">
-              <a:solidFill>
-                <a:schemeClr val="tx1"/>
-              </a:solidFill>
-              <a:latin typeface="Arial"/>
-              <a:cs typeface="Arial"/>
-            </a:endParaRPr>
-          </a:p>
-          <a:p>
-            <a:pPr>
-              <a:defRPr/>
-            </a:pPr>
-            <a:r>
-              <a:rPr lang="en-US" sz="1800" b="0" i="0" u="none" strike="noStrike" cap="none" spc="0">
-                <a:solidFill>
-                  <a:schemeClr val="tx1"/>
-                </a:solidFill>
-                <a:latin typeface="Arial"/>
-                <a:ea typeface="Arial"/>
-                <a:cs typeface="Arial"/>
-              </a:rPr>
-              <a:t>Contents of the presentation</a:t>
-            </a:r>
-            <a:endParaRPr lang="en-US" sz="1800" b="0" i="0" u="none" strike="noStrike" cap="none" spc="0">
-              <a:solidFill>
-                <a:schemeClr val="tx1"/>
-              </a:solidFill>
-              <a:latin typeface="Arial"/>
-              <a:cs typeface="Arial"/>
-            </a:endParaRPr>
-          </a:p>
-          <a:p>
-            <a:pPr lvl="1">
-              <a:defRPr/>
-            </a:pPr>
-            <a:r>
-              <a:rPr lang="en-US" sz="1600" b="0" i="0" u="none" strike="noStrike" cap="none" spc="0">
-                <a:solidFill>
-                  <a:schemeClr val="tx1"/>
-                </a:solidFill>
-                <a:latin typeface="Arial"/>
-                <a:ea typeface="Arial"/>
-                <a:cs typeface="Arial"/>
-              </a:rPr>
-              <a:t>Introduction (theoretical &amp; technical foundation, related work)</a:t>
-            </a:r>
-            <a:endParaRPr lang="en-US" sz="1800" b="0" i="0" u="none" strike="noStrike" cap="none" spc="0">
-              <a:solidFill>
-                <a:schemeClr val="tx1"/>
-              </a:solidFill>
-              <a:latin typeface="Arial"/>
-              <a:cs typeface="Arial"/>
-            </a:endParaRPr>
-          </a:p>
-          <a:p>
-            <a:pPr lvl="1">
-              <a:defRPr/>
-            </a:pPr>
-            <a:r>
-              <a:rPr lang="en-US" sz="1600" b="0" i="0" u="none" strike="noStrike" cap="none" spc="0">
-                <a:solidFill>
-                  <a:schemeClr val="tx1"/>
-                </a:solidFill>
-                <a:latin typeface="Arial"/>
-                <a:ea typeface="Arial"/>
-                <a:cs typeface="Arial"/>
-              </a:rPr>
-              <a:t>Detailed workplan for your project</a:t>
-            </a:r>
-            <a:endParaRPr lang="en-US" sz="1800" b="0" i="0" u="none" strike="noStrike" cap="none" spc="0">
-              <a:solidFill>
-                <a:schemeClr val="tx1"/>
-              </a:solidFill>
-              <a:latin typeface="Arial"/>
-              <a:cs typeface="Arial"/>
-            </a:endParaRPr>
-          </a:p>
-          <a:p>
-            <a:pPr lvl="1">
-              <a:defRPr/>
-            </a:pPr>
-            <a:r>
-              <a:rPr lang="en-US" sz="1600" b="0" i="0" u="none" strike="noStrike" cap="none" spc="0">
-                <a:solidFill>
-                  <a:schemeClr val="tx1"/>
-                </a:solidFill>
-                <a:latin typeface="Arial"/>
-                <a:ea typeface="Arial"/>
-                <a:cs typeface="Arial"/>
-              </a:rPr>
-              <a:t>Current state of your work &amp; problems</a:t>
-            </a:r>
-            <a:endParaRPr lang="en-US" sz="1800" b="0" i="0" u="none" strike="noStrike" cap="none" spc="0">
-              <a:solidFill>
-                <a:schemeClr val="tx1"/>
-              </a:solidFill>
-              <a:latin typeface="Arial"/>
-              <a:cs typeface="Arial"/>
-            </a:endParaRPr>
-          </a:p>
-          <a:p>
-            <a:pPr marL="603249" lvl="1" indent="-203200">
-              <a:defRPr/>
-            </a:pPr>
-            <a:r>
-              <a:rPr lang="en-US" sz="1600" b="0" i="0" u="none" strike="noStrike" cap="none" spc="0">
-                <a:solidFill>
-                  <a:schemeClr val="tx1"/>
-                </a:solidFill>
-                <a:latin typeface="Arial"/>
-                <a:ea typeface="Arial"/>
-                <a:cs typeface="Arial"/>
-              </a:rPr>
-              <a:t>Not graded but mandatory</a:t>
-            </a:r>
-            <a:endParaRPr lang="en-US" sz="1800"/>
-          </a:p>
-        </p:txBody>
-      </p:sp>
-      <p:sp>
-        <p:nvSpPr>
-          <p:cNvPr id="211937246" name="Date Placeholder 2"/>
+          <p:cNvPr id="41561840" name="Date Placeholder 3"/>
           <p:cNvSpPr>
             <a:spLocks noGrp="1"/>
           </p:cNvSpPr>
@@ -6765,7 +6909,15 @@
             <p:ph type="dt" sz="half" idx="10"/>
           </p:nvPr>
         </p:nvSpPr>
-        <p:spPr bwMode="auto"/>
+        <p:spPr bwMode="auto">
+          <a:xfrm>
+            <a:off x="627233" y="4748823"/>
+            <a:ext cx="1027754" cy="396263"/>
+          </a:xfrm>
+          <a:prstGeom prst="rect">
+            <a:avLst/>
+          </a:prstGeom>
+        </p:spPr>
         <p:txBody>
           <a:bodyPr/>
           <a:lstStyle/>
@@ -6773,9 +6925,9 @@
             <a:pPr>
               <a:defRPr/>
             </a:pPr>
-            <a:fld id="{0A9BFA6A-9A63-4E2D-92C0-C77BFA750EDB}" type="datetime1">
+            <a:fld id="{09C63F73-7710-2F18-462F-9ED627AF4F46}" type="datetime1">
               <a:rPr lang="de-DE"/>
-              <a:t>08.01.2025</a:t>
+              <a:t/>
             </a:fld>
             <a:endParaRPr lang="en-US"/>
           </a:p>
@@ -6783,7 +6935,7 @@
       </p:sp>
       <p:sp>
         <p:nvSpPr>
-          <p:cNvPr id="1223198063" name="Slide Number Placeholder 3"/>
+          <p:cNvPr id="549059673" name="Slide Number Placeholder 5"/>
           <p:cNvSpPr>
             <a:spLocks noGrp="1"/>
           </p:cNvSpPr>
@@ -6791,17 +6943,29 @@
             <p:ph type="sldNum" sz="quarter" idx="12"/>
           </p:nvPr>
         </p:nvSpPr>
-        <p:spPr bwMode="auto"/>
+        <p:spPr bwMode="auto">
+          <a:xfrm>
+            <a:off x="216000" y="4748823"/>
+            <a:ext cx="326367" cy="396263"/>
+          </a:xfrm>
+          <a:prstGeom prst="rect">
+            <a:avLst/>
+          </a:prstGeom>
+        </p:spPr>
         <p:txBody>
           <a:bodyPr/>
-          <a:lstStyle/>
-          <a:p>
-            <a:pPr>
-              <a:defRPr/>
-            </a:pPr>
-            <a:fld id="{61696EC4-B4CF-4701-AD06-A8439D6D8E12}" type="slidenum">
-              <a:rPr lang="en-US"/>
-              <a:t>2</a:t>
+          <a:lstStyle>
+            <a:lvl1pPr>
+              <a:defRPr/>
+            </a:lvl1pPr>
+          </a:lstStyle>
+          <a:p>
+            <a:pPr>
+              <a:defRPr/>
+            </a:pPr>
+            <a:fld id="{D978FAC7-7447-814A-2EBB-0CB18EF1B342}" type="slidenum">
+              <a:rPr lang="en-US"/>
+              <a:t/>
             </a:fld>
             <a:endParaRPr lang="en-US"/>
           </a:p>
@@ -6809,30 +6973,64 @@
       </p:sp>
       <p:sp>
         <p:nvSpPr>
-          <p:cNvPr id="1402926556" name="Title 4"/>
-          <p:cNvSpPr>
-            <a:spLocks noGrp="1"/>
-          </p:cNvSpPr>
-          <p:nvPr>
-            <p:ph type="title"/>
-          </p:nvPr>
-        </p:nvSpPr>
-        <p:spPr bwMode="auto"/>
+          <p:cNvPr id="249084772" name="Title Placeholder 1"/>
+          <p:cNvSpPr>
+            <a:spLocks noGrp="1"/>
+          </p:cNvSpPr>
+          <p:nvPr>
+            <p:ph type="title" hasCustomPrompt="1"/>
+          </p:nvPr>
+        </p:nvSpPr>
+        <p:spPr bwMode="auto">
+          <a:xfrm>
+            <a:off x="396000" y="296243"/>
+            <a:ext cx="6869178" cy="575988"/>
+          </a:xfrm>
+          <a:prstGeom prst="rect">
+            <a:avLst/>
+          </a:prstGeom>
+        </p:spPr>
         <p:txBody>
           <a:bodyPr/>
-          <a:lstStyle/>
+          <a:lstStyle>
+            <a:lvl1pPr>
+              <a:defRPr/>
+            </a:lvl1pPr>
+          </a:lstStyle>
           <a:p>
             <a:pPr>
               <a:defRPr/>
             </a:pPr>
             <a:r>
               <a:rPr lang="de-DE"/>
-              <a:t>Task</a:t>
-            </a:r>
-            <a:endParaRPr/>
-          </a:p>
-        </p:txBody>
-      </p:sp>
+              <a:t>GO2 Architecture</a:t>
+            </a:r>
+            <a:endParaRPr/>
+          </a:p>
+        </p:txBody>
+      </p:sp>
+      <p:pic>
+        <p:nvPicPr>
+          <p:cNvPr id="595463104" name=""/>
+          <p:cNvPicPr>
+            <a:picLocks noChangeAspect="1"/>
+          </p:cNvPicPr>
+          <p:nvPr/>
+        </p:nvPicPr>
+        <p:blipFill>
+          <a:blip r:embed="rId3"/>
+          <a:stretch/>
+        </p:blipFill>
+        <p:spPr bwMode="auto">
+          <a:xfrm flipH="0" flipV="0">
+            <a:off x="1654988" y="639054"/>
+            <a:ext cx="5829299" cy="4109769"/>
+          </a:xfrm>
+          <a:prstGeom prst="rect">
+            <a:avLst/>
+          </a:prstGeom>
+        </p:spPr>
+      </p:pic>
     </p:spTree>
   </p:cSld>
   <p:clrMapOvr>
@@ -6868,7 +7066,7 @@
       </p:grpSpPr>
       <p:sp>
         <p:nvSpPr>
-          <p:cNvPr id="41561840" name="Date Placeholder 3"/>
+          <p:cNvPr id="1128771328" name="Date Placeholder 3"/>
           <p:cNvSpPr>
             <a:spLocks noGrp="1"/>
           </p:cNvSpPr>
@@ -6892,7 +7090,7 @@
             <a:pPr>
               <a:defRPr/>
             </a:pPr>
-            <a:fld id="{09C63F73-7710-2F18-462F-9ED627AF4F46}" type="datetime1">
+            <a:fld id="{FE0CBEC3-A49A-C84C-52B6-1268CAF4F2A0}" type="datetime1">
               <a:rPr lang="de-DE"/>
               <a:t/>
             </a:fld>
@@ -6902,7 +7100,7 @@
       </p:sp>
       <p:sp>
         <p:nvSpPr>
-          <p:cNvPr id="549059673" name="Slide Number Placeholder 5"/>
+          <p:cNvPr id="865788526" name="Slide Number Placeholder 5"/>
           <p:cNvSpPr>
             <a:spLocks noGrp="1"/>
           </p:cNvSpPr>
@@ -6930,7 +7128,7 @@
             <a:pPr>
               <a:defRPr/>
             </a:pPr>
-            <a:fld id="{D978FAC7-7447-814A-2EBB-0CB18EF1B342}" type="slidenum">
+            <a:fld id="{D5CA9D51-88C4-AA8A-6BC0-101EB92D671A}" type="slidenum">
               <a:rPr lang="en-US"/>
               <a:t/>
             </a:fld>
@@ -6940,7 +7138,7 @@
       </p:sp>
       <p:sp>
         <p:nvSpPr>
-          <p:cNvPr id="249084772" name="Title Placeholder 1"/>
+          <p:cNvPr id="1162097924" name="Title Placeholder 1"/>
           <p:cNvSpPr>
             <a:spLocks noGrp="1"/>
           </p:cNvSpPr>
@@ -6978,7 +7176,7 @@
       </p:sp>
       <p:pic>
         <p:nvPicPr>
-          <p:cNvPr id="595463104" name=""/>
+          <p:cNvPr id="2047964707" name=""/>
           <p:cNvPicPr>
             <a:picLocks noChangeAspect="1"/>
           </p:cNvPicPr>
@@ -6990,8 +7188,8 @@
         </p:blipFill>
         <p:spPr bwMode="auto">
           <a:xfrm flipH="0" flipV="0">
-            <a:off x="1654988" y="639054"/>
-            <a:ext cx="5829299" cy="4109769"/>
+            <a:off x="916349" y="872232"/>
+            <a:ext cx="6786867" cy="3817613"/>
           </a:xfrm>
           <a:prstGeom prst="rect">
             <a:avLst/>
@@ -7033,7 +7231,110 @@
       </p:grpSpPr>
       <p:sp>
         <p:nvSpPr>
-          <p:cNvPr id="1128771328" name="Date Placeholder 3"/>
+          <p:cNvPr id="1334141502" name="Content Placeholder 2"/>
+          <p:cNvSpPr>
+            <a:spLocks noGrp="1"/>
+          </p:cNvSpPr>
+          <p:nvPr>
+            <p:ph idx="1" hasCustomPrompt="1"/>
+          </p:nvPr>
+        </p:nvSpPr>
+        <p:spPr bwMode="auto">
+          <a:xfrm>
+            <a:off x="400050" y="1188000"/>
+            <a:ext cx="8343900" cy="3365892"/>
+          </a:xfrm>
+        </p:spPr>
+        <p:txBody>
+          <a:bodyPr/>
+          <a:lstStyle>
+            <a:lvl1pPr>
+              <a:defRPr/>
+            </a:lvl1pPr>
+            <a:lvl2pPr>
+              <a:defRPr/>
+            </a:lvl2pPr>
+            <a:lvl3pPr>
+              <a:defRPr/>
+            </a:lvl3pPr>
+            <a:lvl4pPr>
+              <a:defRPr/>
+            </a:lvl4pPr>
+            <a:lvl5pPr>
+              <a:defRPr sz="1600"/>
+            </a:lvl5pPr>
+          </a:lstStyle>
+          <a:p>
+            <a:pPr>
+              <a:defRPr/>
+            </a:pPr>
+            <a:r>
+              <a:rPr lang="de-DE"/>
+              <a:t>Use Camera</a:t>
+            </a:r>
+            <a:endParaRPr lang="de-DE"/>
+          </a:p>
+          <a:p>
+            <a:pPr>
+              <a:defRPr/>
+            </a:pPr>
+            <a:r>
+              <a:rPr lang="de-DE"/>
+              <a:t>Make a ROS2 Node to publish camera image</a:t>
+            </a:r>
+            <a:endParaRPr lang="de-DE"/>
+          </a:p>
+          <a:p>
+            <a:pPr>
+              <a:defRPr/>
+            </a:pPr>
+            <a:r>
+              <a:rPr lang="de-DE"/>
+              <a:t>Implement Person detection and Tracking node</a:t>
+            </a:r>
+            <a:endParaRPr lang="de-DE"/>
+          </a:p>
+          <a:p>
+            <a:pPr lvl="1">
+              <a:defRPr/>
+            </a:pPr>
+            <a:r>
+              <a:rPr lang="de-DE"/>
+              <a:t>Map Bounding Box and Depth Information to calculate relative pose</a:t>
+            </a:r>
+            <a:endParaRPr lang="de-DE"/>
+          </a:p>
+          <a:p>
+            <a:pPr lvl="1">
+              <a:defRPr/>
+            </a:pPr>
+            <a:r>
+              <a:rPr lang="de-DE"/>
+              <a:t>Send Movement commands to a movement node</a:t>
+            </a:r>
+            <a:endParaRPr lang="de-DE"/>
+          </a:p>
+          <a:p>
+            <a:pPr lvl="1">
+              <a:defRPr/>
+            </a:pPr>
+            <a:r>
+              <a:rPr lang="de-DE"/>
+              <a:t>Implement a Node that get to goal position while avoiding collisions</a:t>
+            </a:r>
+            <a:endParaRPr lang="de-DE"/>
+          </a:p>
+          <a:p>
+            <a:pPr lvl="1">
+              <a:defRPr/>
+            </a:pPr>
+            <a:endParaRPr lang="de-DE"/>
+          </a:p>
+        </p:txBody>
+      </p:sp>
+      <p:sp>
+        <p:nvSpPr>
+          <p:cNvPr id="763049319" name="Date Placeholder 3"/>
           <p:cNvSpPr>
             <a:spLocks noGrp="1"/>
           </p:cNvSpPr>
@@ -7057,7 +7358,7 @@
             <a:pPr>
               <a:defRPr/>
             </a:pPr>
-            <a:fld id="{FE0CBEC3-A49A-C84C-52B6-1268CAF4F2A0}" type="datetime1">
+            <a:fld id="{C8CE3BB8-CCF9-40D0-DCF6-1A45673BE874}" type="datetime1">
               <a:rPr lang="de-DE"/>
               <a:t/>
             </a:fld>
@@ -7067,7 +7368,7 @@
       </p:sp>
       <p:sp>
         <p:nvSpPr>
-          <p:cNvPr id="865788526" name="Slide Number Placeholder 5"/>
+          <p:cNvPr id="1974585444" name="Slide Number Placeholder 5"/>
           <p:cNvSpPr>
             <a:spLocks noGrp="1"/>
           </p:cNvSpPr>
@@ -7095,7 +7396,7 @@
             <a:pPr>
               <a:defRPr/>
             </a:pPr>
-            <a:fld id="{D5CA9D51-88C4-AA8A-6BC0-101EB92D671A}" type="slidenum">
+            <a:fld id="{8153251C-C384-B7D7-0865-92C3B18BFA50}" type="slidenum">
               <a:rPr lang="en-US"/>
               <a:t/>
             </a:fld>
@@ -7105,7 +7406,7 @@
       </p:sp>
       <p:sp>
         <p:nvSpPr>
-          <p:cNvPr id="1162097924" name="Title Placeholder 1"/>
+          <p:cNvPr id="845359658" name="Title Placeholder 1"/>
           <p:cNvSpPr>
             <a:spLocks noGrp="1"/>
           </p:cNvSpPr>
@@ -7135,34 +7436,475 @@
             </a:pPr>
             <a:r>
               <a:rPr lang="de-DE"/>
-              <a:t>GO2 Architecture</a:t>
-            </a:r>
-            <a:endParaRPr/>
-          </a:p>
-        </p:txBody>
-      </p:sp>
-      <p:pic>
-        <p:nvPicPr>
-          <p:cNvPr id="2047964707" name=""/>
-          <p:cNvPicPr>
-            <a:picLocks noChangeAspect="1"/>
-          </p:cNvPicPr>
-          <p:nvPr/>
-        </p:nvPicPr>
-        <p:blipFill>
-          <a:blip r:embed="rId3"/>
-          <a:stretch/>
-        </p:blipFill>
-        <p:spPr bwMode="auto">
-          <a:xfrm flipH="0" flipV="0">
-            <a:off x="916349" y="872232"/>
-            <a:ext cx="6786867" cy="3817613"/>
+              <a:t>Project Plan</a:t>
+            </a:r>
+            <a:endParaRPr/>
+          </a:p>
+        </p:txBody>
+      </p:sp>
+    </p:spTree>
+  </p:cSld>
+  <p:clrMapOvr>
+    <a:masterClrMapping/>
+  </p:clrMapOvr>
+  <mc:AlternateContent xmlns:mc="http://schemas.openxmlformats.org/markup-compatibility/2006">
+    <mc:Choice xmlns:p159="http://schemas.microsoft.com/office/powerpoint/2015/09/main" xmlns:p14="http://schemas.microsoft.com/office/powerpoint/2010/main" Requires="p159">
+      <p:transition p14:dur="2000" advClick="1"/>
+    </mc:Choice>
+    <mc:Fallback>
+      <p:transition advClick="1"/>
+    </mc:Fallback>
+  </mc:AlternateContent>
+</p:sld>
+</file>
+
+<file path=ppt/slides/slide8.xml><?xml version="1.0" encoding="utf-8"?>
+<p:sld xmlns:a="http://schemas.openxmlformats.org/drawingml/2006/main" xmlns:r="http://schemas.openxmlformats.org/officeDocument/2006/relationships" xmlns:p="http://schemas.openxmlformats.org/presentationml/2006/main" xmlns:m="http://schemas.openxmlformats.org/officeDocument/2006/math" xmlns:w="http://schemas.openxmlformats.org/wordprocessingml/2006/main" xmlns:mc="http://schemas.openxmlformats.org/markup-compatibility/2006" showMasterPhAnim="0" showMasterSp="1" show="1">
+  <p:cSld name="">
+    <p:spTree>
+      <p:nvGrpSpPr>
+        <p:cNvPr id="1" name=""/>
+        <p:cNvGrpSpPr/>
+        <p:nvPr/>
+      </p:nvGrpSpPr>
+      <p:grpSpPr bwMode="auto">
+        <a:xfrm>
+          <a:off x="0" y="0"/>
+          <a:ext cx="0" cy="0"/>
+          <a:chOff x="0" y="0"/>
+          <a:chExt cx="0" cy="0"/>
+        </a:xfrm>
+      </p:grpSpPr>
+      <p:sp>
+        <p:nvSpPr>
+          <p:cNvPr id="638647051" name="Content Placeholder 2"/>
+          <p:cNvSpPr>
+            <a:spLocks noGrp="1"/>
+          </p:cNvSpPr>
+          <p:nvPr>
+            <p:ph idx="1" hasCustomPrompt="1"/>
+          </p:nvPr>
+        </p:nvSpPr>
+        <p:spPr bwMode="auto">
+          <a:xfrm>
+            <a:off x="400050" y="1188000"/>
+            <a:ext cx="8343900" cy="3365892"/>
+          </a:xfrm>
+        </p:spPr>
+        <p:txBody>
+          <a:bodyPr/>
+          <a:lstStyle>
+            <a:lvl1pPr>
+              <a:defRPr/>
+            </a:lvl1pPr>
+            <a:lvl2pPr>
+              <a:defRPr/>
+            </a:lvl2pPr>
+            <a:lvl3pPr>
+              <a:defRPr/>
+            </a:lvl3pPr>
+            <a:lvl4pPr>
+              <a:defRPr/>
+            </a:lvl4pPr>
+            <a:lvl5pPr>
+              <a:defRPr sz="1600"/>
+            </a:lvl5pPr>
+          </a:lstStyle>
+          <a:p>
+            <a:pPr>
+              <a:defRPr/>
+            </a:pPr>
+            <a:endParaRPr/>
+          </a:p>
+        </p:txBody>
+      </p:sp>
+      <p:sp>
+        <p:nvSpPr>
+          <p:cNvPr id="1337056882" name="Date Placeholder 3"/>
+          <p:cNvSpPr>
+            <a:spLocks noGrp="1"/>
+          </p:cNvSpPr>
+          <p:nvPr>
+            <p:ph type="dt" sz="half" idx="10"/>
+          </p:nvPr>
+        </p:nvSpPr>
+        <p:spPr bwMode="auto">
+          <a:xfrm>
+            <a:off x="627233" y="4748823"/>
+            <a:ext cx="1027754" cy="396263"/>
           </a:xfrm>
           <a:prstGeom prst="rect">
             <a:avLst/>
           </a:prstGeom>
         </p:spPr>
-      </p:pic>
+        <p:txBody>
+          <a:bodyPr/>
+          <a:lstStyle/>
+          <a:p>
+            <a:pPr>
+              <a:defRPr/>
+            </a:pPr>
+            <a:fld id="{7DE2D80D-1F80-B96F-A9E5-89139EDE5B5C}" type="datetime1">
+              <a:rPr lang="de-DE"/>
+              <a:t/>
+            </a:fld>
+            <a:endParaRPr lang="en-US"/>
+          </a:p>
+        </p:txBody>
+      </p:sp>
+      <p:sp>
+        <p:nvSpPr>
+          <p:cNvPr id="305875271" name="Slide Number Placeholder 5"/>
+          <p:cNvSpPr>
+            <a:spLocks noGrp="1"/>
+          </p:cNvSpPr>
+          <p:nvPr>
+            <p:ph type="sldNum" sz="quarter" idx="12"/>
+          </p:nvPr>
+        </p:nvSpPr>
+        <p:spPr bwMode="auto">
+          <a:xfrm>
+            <a:off x="216000" y="4748823"/>
+            <a:ext cx="326367" cy="396263"/>
+          </a:xfrm>
+          <a:prstGeom prst="rect">
+            <a:avLst/>
+          </a:prstGeom>
+        </p:spPr>
+        <p:txBody>
+          <a:bodyPr/>
+          <a:lstStyle>
+            <a:lvl1pPr>
+              <a:defRPr/>
+            </a:lvl1pPr>
+          </a:lstStyle>
+          <a:p>
+            <a:pPr>
+              <a:defRPr/>
+            </a:pPr>
+            <a:fld id="{6F407947-BFE1-5445-D79E-51498E5D8337}" type="slidenum">
+              <a:rPr lang="en-US"/>
+              <a:t/>
+            </a:fld>
+            <a:endParaRPr lang="en-US"/>
+          </a:p>
+        </p:txBody>
+      </p:sp>
+      <p:sp>
+        <p:nvSpPr>
+          <p:cNvPr id="933149053" name="Title Placeholder 1"/>
+          <p:cNvSpPr>
+            <a:spLocks noGrp="1"/>
+          </p:cNvSpPr>
+          <p:nvPr>
+            <p:ph type="title" hasCustomPrompt="1"/>
+          </p:nvPr>
+        </p:nvSpPr>
+        <p:spPr bwMode="auto">
+          <a:xfrm>
+            <a:off x="396000" y="296243"/>
+            <a:ext cx="6869178" cy="575988"/>
+          </a:xfrm>
+          <a:prstGeom prst="rect">
+            <a:avLst/>
+          </a:prstGeom>
+        </p:spPr>
+        <p:txBody>
+          <a:bodyPr/>
+          <a:lstStyle>
+            <a:lvl1pPr>
+              <a:defRPr/>
+            </a:lvl1pPr>
+          </a:lstStyle>
+          <a:p>
+            <a:pPr>
+              <a:defRPr/>
+            </a:pPr>
+            <a:r>
+              <a:rPr lang="de-DE"/>
+              <a:t>Current State</a:t>
+            </a:r>
+            <a:endParaRPr/>
+          </a:p>
+        </p:txBody>
+      </p:sp>
+    </p:spTree>
+  </p:cSld>
+  <p:clrMapOvr>
+    <a:masterClrMapping/>
+  </p:clrMapOvr>
+  <mc:AlternateContent xmlns:mc="http://schemas.openxmlformats.org/markup-compatibility/2006">
+    <mc:Choice xmlns:p159="http://schemas.microsoft.com/office/powerpoint/2015/09/main" xmlns:p14="http://schemas.microsoft.com/office/powerpoint/2010/main" Requires="p159">
+      <p:transition p14:dur="2000" advClick="1"/>
+    </mc:Choice>
+    <mc:Fallback>
+      <p:transition advClick="1"/>
+    </mc:Fallback>
+  </mc:AlternateContent>
+</p:sld>
+</file>
+
+<file path=ppt/slides/slide9.xml><?xml version="1.0" encoding="utf-8"?>
+<p:sld xmlns:a="http://schemas.openxmlformats.org/drawingml/2006/main" xmlns:r="http://schemas.openxmlformats.org/officeDocument/2006/relationships" xmlns:p="http://schemas.openxmlformats.org/presentationml/2006/main" xmlns:m="http://schemas.openxmlformats.org/officeDocument/2006/math" xmlns:w="http://schemas.openxmlformats.org/wordprocessingml/2006/main" xmlns:mc="http://schemas.openxmlformats.org/markup-compatibility/2006" showMasterPhAnim="0" showMasterSp="1" show="1">
+  <p:cSld name="">
+    <p:spTree>
+      <p:nvGrpSpPr>
+        <p:cNvPr id="1" name=""/>
+        <p:cNvGrpSpPr/>
+        <p:nvPr/>
+      </p:nvGrpSpPr>
+      <p:grpSpPr bwMode="auto">
+        <a:xfrm>
+          <a:off x="0" y="0"/>
+          <a:ext cx="0" cy="0"/>
+          <a:chOff x="0" y="0"/>
+          <a:chExt cx="0" cy="0"/>
+        </a:xfrm>
+      </p:grpSpPr>
+      <p:sp>
+        <p:nvSpPr>
+          <p:cNvPr id="447958377" name="Content Placeholder 2"/>
+          <p:cNvSpPr>
+            <a:spLocks noGrp="1"/>
+          </p:cNvSpPr>
+          <p:nvPr>
+            <p:ph idx="1" hasCustomPrompt="1"/>
+          </p:nvPr>
+        </p:nvSpPr>
+        <p:spPr bwMode="auto">
+          <a:xfrm>
+            <a:off x="400050" y="1188000"/>
+            <a:ext cx="8343900" cy="3365892"/>
+          </a:xfrm>
+        </p:spPr>
+        <p:txBody>
+          <a:bodyPr/>
+          <a:lstStyle>
+            <a:lvl1pPr>
+              <a:defRPr/>
+            </a:lvl1pPr>
+            <a:lvl2pPr>
+              <a:defRPr/>
+            </a:lvl2pPr>
+            <a:lvl3pPr>
+              <a:defRPr/>
+            </a:lvl3pPr>
+            <a:lvl4pPr>
+              <a:defRPr/>
+            </a:lvl4pPr>
+            <a:lvl5pPr>
+              <a:defRPr sz="1600"/>
+            </a:lvl5pPr>
+          </a:lstStyle>
+          <a:p>
+            <a:pPr>
+              <a:defRPr/>
+            </a:pPr>
+            <a:r>
+              <a:rPr lang="de-DE"/>
+              <a:t>Unofficial SDK needed different Ubuntu Version (22 Humble)</a:t>
+            </a:r>
+            <a:endParaRPr lang="de-DE"/>
+          </a:p>
+          <a:p>
+            <a:pPr lvl="1">
+              <a:defRPr/>
+            </a:pPr>
+            <a:r>
+              <a:rPr lang="de-DE" sz="2000" b="0" i="0" u="none" strike="noStrike" cap="none" spc="0">
+                <a:solidFill>
+                  <a:schemeClr val="tx1"/>
+                </a:solidFill>
+                <a:latin typeface="+mn-lt"/>
+                <a:ea typeface="+mn-ea"/>
+                <a:cs typeface="+mn-cs"/>
+              </a:rPr>
+              <a:t>We tried to make a dev container</a:t>
+            </a:r>
+            <a:endParaRPr sz="2000"/>
+          </a:p>
+          <a:p>
+            <a:pPr lvl="1">
+              <a:defRPr/>
+            </a:pPr>
+            <a:r>
+              <a:rPr lang="de-DE" sz="2000" b="0" i="0" u="none" strike="noStrike" cap="none" spc="0">
+                <a:solidFill>
+                  <a:schemeClr val="tx1"/>
+                </a:solidFill>
+                <a:latin typeface="+mn-lt"/>
+                <a:ea typeface="+mn-ea"/>
+                <a:cs typeface="+mn-cs"/>
+              </a:rPr>
+              <a:t>We tried to use VMs</a:t>
+            </a:r>
+            <a:endParaRPr sz="2000"/>
+          </a:p>
+          <a:p>
+            <a:pPr lvl="1">
+              <a:defRPr/>
+            </a:pPr>
+            <a:r>
+              <a:rPr lang="de-DE" sz="1800" b="0" i="0" u="none" strike="noStrike" cap="none" spc="0">
+                <a:solidFill>
+                  <a:schemeClr val="tx1"/>
+                </a:solidFill>
+                <a:latin typeface="+mn-lt"/>
+                <a:ea typeface="+mn-ea"/>
+                <a:cs typeface="+mn-cs"/>
+              </a:rPr>
+              <a:t>We fixed the dependencies on the normal system</a:t>
+            </a:r>
+            <a:endParaRPr lang="de-DE"/>
+          </a:p>
+          <a:p>
+            <a:pPr>
+              <a:defRPr/>
+            </a:pPr>
+            <a:r>
+              <a:rPr lang="de-DE"/>
+              <a:t>What does the unofficial SDK do</a:t>
+            </a:r>
+            <a:endParaRPr lang="de-DE"/>
+          </a:p>
+          <a:p>
+            <a:pPr>
+              <a:defRPr/>
+            </a:pPr>
+            <a:r>
+              <a:rPr lang="de-DE"/>
+              <a:t>How to install something on the robot</a:t>
+            </a:r>
+            <a:endParaRPr lang="de-DE"/>
+          </a:p>
+          <a:p>
+            <a:pPr>
+              <a:defRPr/>
+            </a:pPr>
+            <a:r>
+              <a:rPr lang="de-DE"/>
+              <a:t>How to place the camera cable</a:t>
+            </a:r>
+            <a:endParaRPr lang="de-DE"/>
+          </a:p>
+          <a:p>
+            <a:pPr>
+              <a:defRPr/>
+            </a:pPr>
+            <a:endParaRPr lang="de-DE"/>
+          </a:p>
+        </p:txBody>
+      </p:sp>
+      <p:sp>
+        <p:nvSpPr>
+          <p:cNvPr id="1549549917" name="Date Placeholder 3"/>
+          <p:cNvSpPr>
+            <a:spLocks noGrp="1"/>
+          </p:cNvSpPr>
+          <p:nvPr>
+            <p:ph type="dt" sz="half" idx="10"/>
+          </p:nvPr>
+        </p:nvSpPr>
+        <p:spPr bwMode="auto">
+          <a:xfrm>
+            <a:off x="627233" y="4748823"/>
+            <a:ext cx="1027754" cy="396263"/>
+          </a:xfrm>
+          <a:prstGeom prst="rect">
+            <a:avLst/>
+          </a:prstGeom>
+        </p:spPr>
+        <p:txBody>
+          <a:bodyPr/>
+          <a:lstStyle/>
+          <a:p>
+            <a:pPr>
+              <a:defRPr/>
+            </a:pPr>
+            <a:fld id="{C4AAB8C6-5D13-AD98-DC20-1FC67B7B0945}" type="datetime1">
+              <a:rPr lang="de-DE"/>
+              <a:t/>
+            </a:fld>
+            <a:endParaRPr lang="en-US"/>
+          </a:p>
+        </p:txBody>
+      </p:sp>
+      <p:sp>
+        <p:nvSpPr>
+          <p:cNvPr id="56025306" name="Slide Number Placeholder 5"/>
+          <p:cNvSpPr>
+            <a:spLocks noGrp="1"/>
+          </p:cNvSpPr>
+          <p:nvPr>
+            <p:ph type="sldNum" sz="quarter" idx="12"/>
+          </p:nvPr>
+        </p:nvSpPr>
+        <p:spPr bwMode="auto">
+          <a:xfrm>
+            <a:off x="216000" y="4748823"/>
+            <a:ext cx="326367" cy="396263"/>
+          </a:xfrm>
+          <a:prstGeom prst="rect">
+            <a:avLst/>
+          </a:prstGeom>
+        </p:spPr>
+        <p:txBody>
+          <a:bodyPr/>
+          <a:lstStyle>
+            <a:lvl1pPr>
+              <a:defRPr/>
+            </a:lvl1pPr>
+          </a:lstStyle>
+          <a:p>
+            <a:pPr>
+              <a:defRPr/>
+            </a:pPr>
+            <a:fld id="{37737A81-7CB2-3838-A7E0-3D859029BD7F}" type="slidenum">
+              <a:rPr lang="en-US"/>
+              <a:t/>
+            </a:fld>
+            <a:endParaRPr lang="en-US"/>
+          </a:p>
+        </p:txBody>
+      </p:sp>
+      <p:sp>
+        <p:nvSpPr>
+          <p:cNvPr id="1790665634" name="Title Placeholder 1"/>
+          <p:cNvSpPr>
+            <a:spLocks noGrp="1"/>
+          </p:cNvSpPr>
+          <p:nvPr>
+            <p:ph type="title" hasCustomPrompt="1"/>
+          </p:nvPr>
+        </p:nvSpPr>
+        <p:spPr bwMode="auto">
+          <a:xfrm>
+            <a:off x="396000" y="296243"/>
+            <a:ext cx="6869178" cy="575988"/>
+          </a:xfrm>
+          <a:prstGeom prst="rect">
+            <a:avLst/>
+          </a:prstGeom>
+        </p:spPr>
+        <p:txBody>
+          <a:bodyPr/>
+          <a:lstStyle>
+            <a:lvl1pPr>
+              <a:defRPr/>
+            </a:lvl1pPr>
+          </a:lstStyle>
+          <a:p>
+            <a:pPr>
+              <a:defRPr/>
+            </a:pPr>
+            <a:r>
+              <a:rPr lang="de-DE"/>
+              <a:t>Problems</a:t>
+            </a:r>
+            <a:endParaRPr/>
+          </a:p>
+        </p:txBody>
+      </p:sp>
     </p:spTree>
   </p:cSld>
   <p:clrMapOvr>
